--- a/individual_project-game_up_website/Copy of Pitch Template.pptx
+++ b/individual_project-game_up_website/Copy of Pitch Template.pptx
@@ -17,8 +17,6 @@
     <p:sldId id="261" r:id="rId12"/>
     <p:sldId id="262" r:id="rId13"/>
     <p:sldId id="263" r:id="rId14"/>
-    <p:sldId id="264" r:id="rId15"/>
-    <p:sldId id="265" r:id="rId16"/>
   </p:sldIdLst>
   <p:sldSz cy="5143500" cx="9144000"/>
   <p:notesSz cx="6858000" cy="9144000"/>
@@ -471,101 +469,6 @@
 </p:notes>
 </file>
 
-<file path=ppt/notesSlides/notesSlide10.xml><?xml version="1.0" encoding="utf-8"?>
-<p:notes xmlns:a="http://schemas.openxmlformats.org/drawingml/2006/main" xmlns:r="http://schemas.openxmlformats.org/officeDocument/2006/relationships" xmlns:mc="http://schemas.openxmlformats.org/markup-compatibility/2006" xmlns:mv="urn:schemas-microsoft-com:mac:vml" xmlns:p="http://schemas.openxmlformats.org/presentationml/2006/main" xmlns:c="http://schemas.openxmlformats.org/drawingml/2006/chart" xmlns:dgm="http://schemas.openxmlformats.org/drawingml/2006/diagram" xmlns:o="urn:schemas-microsoft-com:office:office" xmlns:v="urn:schemas-microsoft-com:vml" xmlns:pvml="urn:schemas-microsoft-com:office:powerpoint" xmlns:com="http://schemas.openxmlformats.org/drawingml/2006/compatibility" xmlns:p14="http://schemas.microsoft.com/office/powerpoint/2010/main" showMasterPhAnim="0" showMasterSp="0">
-  <p:cSld>
-    <p:spTree>
-      <p:nvGrpSpPr>
-        <p:cNvPr id="128" name="Shape 128"/>
-        <p:cNvGrpSpPr/>
-        <p:nvPr/>
-      </p:nvGrpSpPr>
-      <p:grpSpPr>
-        <a:xfrm>
-          <a:off x="0" y="0"/>
-          <a:ext cx="0" cy="0"/>
-          <a:chOff x="0" y="0"/>
-          <a:chExt cx="0" cy="0"/>
-        </a:xfrm>
-      </p:grpSpPr>
-      <p:sp>
-        <p:nvSpPr>
-          <p:cNvPr id="129" name="Shape 129"/>
-          <p:cNvSpPr/>
-          <p:nvPr>
-            <p:ph idx="2" type="sldImg"/>
-          </p:nvPr>
-        </p:nvSpPr>
-        <p:spPr>
-          <a:xfrm>
-            <a:off x="381300" y="685800"/>
-            <a:ext cx="6096000" cy="3429000"/>
-          </a:xfrm>
-          <a:custGeom>
-            <a:pathLst>
-              <a:path extrusionOk="0" h="120000" w="120000">
-                <a:moveTo>
-                  <a:pt x="0" y="0"/>
-                </a:moveTo>
-                <a:lnTo>
-                  <a:pt x="120000" y="0"/>
-                </a:lnTo>
-                <a:lnTo>
-                  <a:pt x="120000" y="120000"/>
-                </a:lnTo>
-                <a:lnTo>
-                  <a:pt x="0" y="120000"/>
-                </a:lnTo>
-                <a:close/>
-              </a:path>
-            </a:pathLst>
-          </a:custGeom>
-        </p:spPr>
-      </p:sp>
-      <p:sp>
-        <p:nvSpPr>
-          <p:cNvPr id="130" name="Shape 130"/>
-          <p:cNvSpPr txBox="1"/>
-          <p:nvPr>
-            <p:ph idx="1" type="body"/>
-          </p:nvPr>
-        </p:nvSpPr>
-        <p:spPr>
-          <a:xfrm>
-            <a:off x="685800" y="4343400"/>
-            <a:ext cx="5486399" cy="4114800"/>
-          </a:xfrm>
-          <a:prstGeom prst="rect">
-            <a:avLst/>
-          </a:prstGeom>
-        </p:spPr>
-        <p:txBody>
-          <a:bodyPr anchorCtr="0" anchor="t" bIns="91425" lIns="91425" rIns="91425" tIns="91425">
-            <a:noAutofit/>
-          </a:bodyPr>
-          <a:lstStyle/>
-          <a:p>
-            <a:pPr lvl="0">
-              <a:spcBef>
-                <a:spcPts val="0"/>
-              </a:spcBef>
-              <a:buNone/>
-            </a:pPr>
-            <a:r>
-              <a:rPr lang="en"/>
-              <a:t>Close with an ask (for mentorship, money, site visit, etc.)- then drive home the mission statement or slogan. Thank everyone, and transition to a demo of the app/website you created so that they can ask questions for Q/A later</a:t>
-            </a:r>
-          </a:p>
-        </p:txBody>
-      </p:sp>
-    </p:spTree>
-  </p:cSld>
-  <p:clrMapOvr>
-    <a:masterClrMapping/>
-  </p:clrMapOvr>
-</p:notes>
-</file>
-
 <file path=ppt/notesSlides/notesSlide2.xml><?xml version="1.0" encoding="utf-8"?>
 <p:notes xmlns:a="http://schemas.openxmlformats.org/drawingml/2006/main" xmlns:r="http://schemas.openxmlformats.org/officeDocument/2006/relationships" xmlns:mc="http://schemas.openxmlformats.org/markup-compatibility/2006" xmlns:mv="urn:schemas-microsoft-com:mac:vml" xmlns:p="http://schemas.openxmlformats.org/presentationml/2006/main" xmlns:c="http://schemas.openxmlformats.org/drawingml/2006/chart" xmlns:dgm="http://schemas.openxmlformats.org/drawingml/2006/diagram" xmlns:o="urn:schemas-microsoft-com:office:office" xmlns:v="urn:schemas-microsoft-com:vml" xmlns:pvml="urn:schemas-microsoft-com:office:powerpoint" xmlns:com="http://schemas.openxmlformats.org/drawingml/2006/compatibility" xmlns:p14="http://schemas.microsoft.com/office/powerpoint/2010/main" showMasterPhAnim="0" showMasterSp="0">
   <p:cSld>
@@ -678,7 +581,7 @@
   <p:cSld>
     <p:spTree>
       <p:nvGrpSpPr>
-        <p:cNvPr id="72" name="Shape 72"/>
+        <p:cNvPr id="71" name="Shape 71"/>
         <p:cNvGrpSpPr/>
         <p:nvPr/>
       </p:nvGrpSpPr>
@@ -692,7 +595,7 @@
       </p:grpSpPr>
       <p:sp>
         <p:nvSpPr>
-          <p:cNvPr id="73" name="Shape 73"/>
+          <p:cNvPr id="72" name="Shape 72"/>
           <p:cNvSpPr/>
           <p:nvPr>
             <p:ph idx="2" type="sldImg"/>
@@ -726,7 +629,7 @@
       </p:sp>
       <p:sp>
         <p:nvSpPr>
-          <p:cNvPr id="74" name="Shape 74"/>
+          <p:cNvPr id="73" name="Shape 73"/>
           <p:cNvSpPr txBox="1"/>
           <p:nvPr>
             <p:ph idx="1" type="body"/>
@@ -773,7 +676,7 @@
   <p:cSld>
     <p:spTree>
       <p:nvGrpSpPr>
-        <p:cNvPr id="79" name="Shape 79"/>
+        <p:cNvPr id="77" name="Shape 77"/>
         <p:cNvGrpSpPr/>
         <p:nvPr/>
       </p:nvGrpSpPr>
@@ -787,7 +690,7 @@
       </p:grpSpPr>
       <p:sp>
         <p:nvSpPr>
-          <p:cNvPr id="80" name="Shape 80"/>
+          <p:cNvPr id="78" name="Shape 78"/>
           <p:cNvSpPr/>
           <p:nvPr>
             <p:ph idx="2" type="sldImg"/>
@@ -821,7 +724,7 @@
       </p:sp>
       <p:sp>
         <p:nvSpPr>
-          <p:cNvPr id="81" name="Shape 81"/>
+          <p:cNvPr id="79" name="Shape 79"/>
           <p:cNvSpPr txBox="1"/>
           <p:nvPr>
             <p:ph idx="1" type="body"/>
@@ -868,7 +771,7 @@
   <p:cSld>
     <p:spTree>
       <p:nvGrpSpPr>
-        <p:cNvPr id="86" name="Shape 86"/>
+        <p:cNvPr id="84" name="Shape 84"/>
         <p:cNvGrpSpPr/>
         <p:nvPr/>
       </p:nvGrpSpPr>
@@ -882,7 +785,7 @@
       </p:grpSpPr>
       <p:sp>
         <p:nvSpPr>
-          <p:cNvPr id="87" name="Shape 87"/>
+          <p:cNvPr id="85" name="Shape 85"/>
           <p:cNvSpPr/>
           <p:nvPr>
             <p:ph idx="2" type="sldImg"/>
@@ -916,7 +819,7 @@
       </p:sp>
       <p:sp>
         <p:nvSpPr>
-          <p:cNvPr id="88" name="Shape 88"/>
+          <p:cNvPr id="86" name="Shape 86"/>
           <p:cNvSpPr txBox="1"/>
           <p:nvPr>
             <p:ph idx="1" type="body"/>
@@ -963,7 +866,7 @@
   <p:cSld>
     <p:spTree>
       <p:nvGrpSpPr>
-        <p:cNvPr id="92" name="Shape 92"/>
+        <p:cNvPr id="90" name="Shape 90"/>
         <p:cNvGrpSpPr/>
         <p:nvPr/>
       </p:nvGrpSpPr>
@@ -977,7 +880,7 @@
       </p:grpSpPr>
       <p:sp>
         <p:nvSpPr>
-          <p:cNvPr id="93" name="Shape 93"/>
+          <p:cNvPr id="91" name="Shape 91"/>
           <p:cNvSpPr/>
           <p:nvPr>
             <p:ph idx="2" type="sldImg"/>
@@ -1011,7 +914,7 @@
       </p:sp>
       <p:sp>
         <p:nvSpPr>
-          <p:cNvPr id="94" name="Shape 94"/>
+          <p:cNvPr id="92" name="Shape 92"/>
           <p:cNvSpPr txBox="1"/>
           <p:nvPr>
             <p:ph idx="1" type="body"/>
@@ -1039,9 +942,21 @@
               <a:buNone/>
             </a:pPr>
             <a:r>
-              <a:t/>
-            </a:r>
-            <a:endParaRPr/>
+              <a:rPr lang="en"/>
+              <a:t>Present what your initial thoughts were on your business model canvas; Contrast with what you learned from class, interviews and surveys and the changes you made to the canvas</a:t>
+            </a:r>
+          </a:p>
+          <a:p>
+            <a:pPr lvl="0">
+              <a:spcBef>
+                <a:spcPts val="0"/>
+              </a:spcBef>
+              <a:buNone/>
+            </a:pPr>
+            <a:r>
+              <a:rPr lang="en"/>
+              <a:t>Time: 80-120 seconds</a:t>
+            </a:r>
           </a:p>
         </p:txBody>
       </p:sp>
@@ -1058,7 +973,7 @@
   <p:cSld>
     <p:spTree>
       <p:nvGrpSpPr>
-        <p:cNvPr id="101" name="Shape 101"/>
+        <p:cNvPr id="104" name="Shape 104"/>
         <p:cNvGrpSpPr/>
         <p:nvPr/>
       </p:nvGrpSpPr>
@@ -1072,7 +987,7 @@
       </p:grpSpPr>
       <p:sp>
         <p:nvSpPr>
-          <p:cNvPr id="102" name="Shape 102"/>
+          <p:cNvPr id="105" name="Shape 105"/>
           <p:cNvSpPr/>
           <p:nvPr>
             <p:ph idx="2" type="sldImg"/>
@@ -1106,7 +1021,7 @@
       </p:sp>
       <p:sp>
         <p:nvSpPr>
-          <p:cNvPr id="103" name="Shape 103"/>
+          <p:cNvPr id="106" name="Shape 106"/>
           <p:cNvSpPr txBox="1"/>
           <p:nvPr>
             <p:ph idx="1" type="body"/>
@@ -1134,21 +1049,9 @@
               <a:buNone/>
             </a:pPr>
             <a:r>
-              <a:rPr lang="en"/>
-              <a:t>Present what your initial thoughts were on your business model canvas; Contrast with what you learned from class, interviews and surveys and the changes you made to the canvas</a:t>
-            </a:r>
-          </a:p>
-          <a:p>
-            <a:pPr lvl="0">
-              <a:spcBef>
-                <a:spcPts val="0"/>
-              </a:spcBef>
-              <a:buNone/>
-            </a:pPr>
-            <a:r>
-              <a:rPr lang="en"/>
-              <a:t>Time: 80-120 seconds</a:t>
-            </a:r>
+              <a:t/>
+            </a:r>
+            <a:endParaRPr/>
           </a:p>
         </p:txBody>
       </p:sp>
@@ -1165,7 +1068,7 @@
   <p:cSld>
     <p:spTree>
       <p:nvGrpSpPr>
-        <p:cNvPr id="115" name="Shape 115"/>
+        <p:cNvPr id="110" name="Shape 110"/>
         <p:cNvGrpSpPr/>
         <p:nvPr/>
       </p:nvGrpSpPr>
@@ -1179,7 +1082,7 @@
       </p:grpSpPr>
       <p:sp>
         <p:nvSpPr>
-          <p:cNvPr id="116" name="Shape 116"/>
+          <p:cNvPr id="111" name="Shape 111"/>
           <p:cNvSpPr/>
           <p:nvPr>
             <p:ph idx="2" type="sldImg"/>
@@ -1213,102 +1116,7 @@
       </p:sp>
       <p:sp>
         <p:nvSpPr>
-          <p:cNvPr id="117" name="Shape 117"/>
-          <p:cNvSpPr txBox="1"/>
-          <p:nvPr>
-            <p:ph idx="1" type="body"/>
-          </p:nvPr>
-        </p:nvSpPr>
-        <p:spPr>
-          <a:xfrm>
-            <a:off x="685800" y="4343400"/>
-            <a:ext cx="5486400" cy="4114800"/>
-          </a:xfrm>
-          <a:prstGeom prst="rect">
-            <a:avLst/>
-          </a:prstGeom>
-        </p:spPr>
-        <p:txBody>
-          <a:bodyPr anchorCtr="0" anchor="t" bIns="91425" lIns="91425" rIns="91425" tIns="91425">
-            <a:noAutofit/>
-          </a:bodyPr>
-          <a:lstStyle/>
-          <a:p>
-            <a:pPr lvl="0">
-              <a:spcBef>
-                <a:spcPts val="0"/>
-              </a:spcBef>
-              <a:buNone/>
-            </a:pPr>
-            <a:r>
-              <a:t/>
-            </a:r>
-            <a:endParaRPr/>
-          </a:p>
-        </p:txBody>
-      </p:sp>
-    </p:spTree>
-  </p:cSld>
-  <p:clrMapOvr>
-    <a:masterClrMapping/>
-  </p:clrMapOvr>
-</p:notes>
-</file>
-
-<file path=ppt/notesSlides/notesSlide9.xml><?xml version="1.0" encoding="utf-8"?>
-<p:notes xmlns:a="http://schemas.openxmlformats.org/drawingml/2006/main" xmlns:r="http://schemas.openxmlformats.org/officeDocument/2006/relationships" xmlns:mc="http://schemas.openxmlformats.org/markup-compatibility/2006" xmlns:mv="urn:schemas-microsoft-com:mac:vml" xmlns:p="http://schemas.openxmlformats.org/presentationml/2006/main" xmlns:c="http://schemas.openxmlformats.org/drawingml/2006/chart" xmlns:dgm="http://schemas.openxmlformats.org/drawingml/2006/diagram" xmlns:o="urn:schemas-microsoft-com:office:office" xmlns:v="urn:schemas-microsoft-com:vml" xmlns:pvml="urn:schemas-microsoft-com:office:powerpoint" xmlns:com="http://schemas.openxmlformats.org/drawingml/2006/compatibility" xmlns:p14="http://schemas.microsoft.com/office/powerpoint/2010/main" showMasterPhAnim="0" showMasterSp="0">
-  <p:cSld>
-    <p:spTree>
-      <p:nvGrpSpPr>
-        <p:cNvPr id="121" name="Shape 121"/>
-        <p:cNvGrpSpPr/>
-        <p:nvPr/>
-      </p:nvGrpSpPr>
-      <p:grpSpPr>
-        <a:xfrm>
-          <a:off x="0" y="0"/>
-          <a:ext cx="0" cy="0"/>
-          <a:chOff x="0" y="0"/>
-          <a:chExt cx="0" cy="0"/>
-        </a:xfrm>
-      </p:grpSpPr>
-      <p:sp>
-        <p:nvSpPr>
-          <p:cNvPr id="122" name="Shape 122"/>
-          <p:cNvSpPr/>
-          <p:nvPr>
-            <p:ph idx="2" type="sldImg"/>
-          </p:nvPr>
-        </p:nvSpPr>
-        <p:spPr>
-          <a:xfrm>
-            <a:off x="381300" y="685800"/>
-            <a:ext cx="6096000" cy="3429000"/>
-          </a:xfrm>
-          <a:custGeom>
-            <a:pathLst>
-              <a:path extrusionOk="0" h="120000" w="120000">
-                <a:moveTo>
-                  <a:pt x="0" y="0"/>
-                </a:moveTo>
-                <a:lnTo>
-                  <a:pt x="120000" y="0"/>
-                </a:lnTo>
-                <a:lnTo>
-                  <a:pt x="120000" y="120000"/>
-                </a:lnTo>
-                <a:lnTo>
-                  <a:pt x="0" y="120000"/>
-                </a:lnTo>
-                <a:close/>
-              </a:path>
-            </a:pathLst>
-          </a:custGeom>
-        </p:spPr>
-      </p:sp>
-      <p:sp>
-        <p:nvSpPr>
-          <p:cNvPr id="123" name="Shape 123"/>
+          <p:cNvPr id="112" name="Shape 112"/>
           <p:cNvSpPr txBox="1"/>
           <p:nvPr>
             <p:ph idx="1" type="body"/>
@@ -5667,170 +5475,6 @@
 </p:sld>
 </file>
 
-<file path=ppt/slides/slide10.xml><?xml version="1.0" encoding="utf-8"?>
-<p:sld xmlns:a="http://schemas.openxmlformats.org/drawingml/2006/main" xmlns:r="http://schemas.openxmlformats.org/officeDocument/2006/relationships" xmlns:mc="http://schemas.openxmlformats.org/markup-compatibility/2006" xmlns:mv="urn:schemas-microsoft-com:mac:vml" xmlns:p="http://schemas.openxmlformats.org/presentationml/2006/main" xmlns:c="http://schemas.openxmlformats.org/drawingml/2006/chart" xmlns:dgm="http://schemas.openxmlformats.org/drawingml/2006/diagram" xmlns:o="urn:schemas-microsoft-com:office:office" xmlns:v="urn:schemas-microsoft-com:vml" xmlns:pvml="urn:schemas-microsoft-com:office:powerpoint" xmlns:com="http://schemas.openxmlformats.org/drawingml/2006/compatibility" xmlns:p14="http://schemas.microsoft.com/office/powerpoint/2010/main">
-  <p:cSld>
-    <p:bg>
-      <p:bgPr>
-        <a:solidFill>
-          <a:srgbClr val="0B5394"/>
-        </a:solidFill>
-      </p:bgPr>
-    </p:bg>
-    <p:spTree>
-      <p:nvGrpSpPr>
-        <p:cNvPr id="131" name="Shape 131"/>
-        <p:cNvGrpSpPr/>
-        <p:nvPr/>
-      </p:nvGrpSpPr>
-      <p:grpSpPr>
-        <a:xfrm>
-          <a:off x="0" y="0"/>
-          <a:ext cx="0" cy="0"/>
-          <a:chOff x="0" y="0"/>
-          <a:chExt cx="0" cy="0"/>
-        </a:xfrm>
-      </p:grpSpPr>
-      <p:sp>
-        <p:nvSpPr>
-          <p:cNvPr id="132" name="Shape 132"/>
-          <p:cNvSpPr txBox="1"/>
-          <p:nvPr/>
-        </p:nvSpPr>
-        <p:spPr>
-          <a:xfrm>
-            <a:off x="1198850" y="399625"/>
-            <a:ext cx="6896700" cy="3158400"/>
-          </a:xfrm>
-          <a:prstGeom prst="rect">
-            <a:avLst/>
-          </a:prstGeom>
-          <a:noFill/>
-          <a:ln>
-            <a:noFill/>
-          </a:ln>
-        </p:spPr>
-        <p:txBody>
-          <a:bodyPr anchorCtr="0" anchor="ctr" bIns="91425" lIns="91425" rIns="91425" tIns="91425">
-            <a:noAutofit/>
-          </a:bodyPr>
-          <a:lstStyle/>
-          <a:p>
-            <a:pPr lvl="0" rtl="0" algn="ctr">
-              <a:spcBef>
-                <a:spcPts val="0"/>
-              </a:spcBef>
-              <a:buNone/>
-            </a:pPr>
-            <a:r>
-              <a:t/>
-            </a:r>
-            <a:endParaRPr sz="2400"/>
-          </a:p>
-        </p:txBody>
-      </p:sp>
-      <p:pic>
-        <p:nvPicPr>
-          <p:cNvPr id="133" name="Shape 133"/>
-          <p:cNvPicPr preferRelativeResize="0"/>
-          <p:nvPr/>
-        </p:nvPicPr>
-        <p:blipFill>
-          <a:blip r:embed="rId3">
-            <a:alphaModFix/>
-          </a:blip>
-          <a:stretch>
-            <a:fillRect/>
-          </a:stretch>
-        </p:blipFill>
-        <p:spPr>
-          <a:xfrm>
-            <a:off x="1466575" y="-1067350"/>
-            <a:ext cx="6210850" cy="6210850"/>
-          </a:xfrm>
-          <a:prstGeom prst="rect">
-            <a:avLst/>
-          </a:prstGeom>
-          <a:noFill/>
-          <a:ln>
-            <a:noFill/>
-          </a:ln>
-        </p:spPr>
-      </p:pic>
-      <p:sp>
-        <p:nvSpPr>
-          <p:cNvPr id="134" name="Shape 134"/>
-          <p:cNvSpPr txBox="1"/>
-          <p:nvPr/>
-        </p:nvSpPr>
-        <p:spPr>
-          <a:xfrm>
-            <a:off x="0" y="3971700"/>
-            <a:ext cx="9144000" cy="1171800"/>
-          </a:xfrm>
-          <a:prstGeom prst="rect">
-            <a:avLst/>
-          </a:prstGeom>
-          <a:solidFill>
-            <a:srgbClr val="000000"/>
-          </a:solidFill>
-          <a:ln>
-            <a:noFill/>
-          </a:ln>
-        </p:spPr>
-        <p:txBody>
-          <a:bodyPr anchorCtr="0" anchor="t" bIns="91425" lIns="91425" rIns="91425" tIns="91425">
-            <a:noAutofit/>
-          </a:bodyPr>
-          <a:lstStyle/>
-          <a:p>
-            <a:pPr lvl="0" rtl="0">
-              <a:lnSpc>
-                <a:spcPct val="100000"/>
-              </a:lnSpc>
-              <a:spcBef>
-                <a:spcPts val="0"/>
-              </a:spcBef>
-              <a:buNone/>
-            </a:pPr>
-            <a:r>
-              <a:rPr lang="en" sz="2400">
-                <a:solidFill>
-                  <a:srgbClr val="FFFFFF"/>
-                </a:solidFill>
-              </a:rPr>
-              <a:t> George Williams, Founder</a:t>
-            </a:r>
-          </a:p>
-          <a:p>
-            <a:pPr lvl="0" rtl="0">
-              <a:lnSpc>
-                <a:spcPct val="100000"/>
-              </a:lnSpc>
-              <a:spcBef>
-                <a:spcPts val="0"/>
-              </a:spcBef>
-              <a:buNone/>
-            </a:pPr>
-            <a:r>
-              <a:rPr b="1" lang="en" sz="1800">
-                <a:solidFill>
-                  <a:srgbClr val="FFFFFF"/>
-                </a:solidFill>
-              </a:rPr>
-              <a:t>  </a:t>
-            </a:r>
-          </a:p>
-        </p:txBody>
-      </p:sp>
-    </p:spTree>
-  </p:cSld>
-  <p:clrMapOvr>
-    <a:masterClrMapping/>
-  </p:clrMapOvr>
-</p:sld>
-</file>
-
 <file path=ppt/slides/slide2.xml><?xml version="1.0" encoding="utf-8"?>
 <p:sld xmlns:a="http://schemas.openxmlformats.org/drawingml/2006/main" xmlns:r="http://schemas.openxmlformats.org/officeDocument/2006/relationships" xmlns:mc="http://schemas.openxmlformats.org/markup-compatibility/2006" xmlns:mv="urn:schemas-microsoft-com:mac:vml" xmlns:p="http://schemas.openxmlformats.org/presentationml/2006/main" xmlns:c="http://schemas.openxmlformats.org/drawingml/2006/chart" xmlns:dgm="http://schemas.openxmlformats.org/drawingml/2006/diagram" xmlns:o="urn:schemas-microsoft-com:office:office" xmlns:v="urn:schemas-microsoft-com:vml" xmlns:pvml="urn:schemas-microsoft-com:office:powerpoint" xmlns:com="http://schemas.openxmlformats.org/drawingml/2006/compatibility" xmlns:p14="http://schemas.microsoft.com/office/powerpoint/2010/main">
   <p:cSld>
@@ -5871,8 +5515,8 @@
         </p:blipFill>
         <p:spPr>
           <a:xfrm>
-            <a:off x="1434250" y="-869175"/>
-            <a:ext cx="6080700" cy="6080700"/>
+            <a:off x="1662987" y="-337262"/>
+            <a:ext cx="5818025" cy="5818025"/>
           </a:xfrm>
           <a:prstGeom prst="rect">
             <a:avLst/>
@@ -5883,80 +5527,6 @@
           </a:ln>
         </p:spPr>
       </p:pic>
-      <p:sp>
-        <p:nvSpPr>
-          <p:cNvPr id="71" name="Shape 71"/>
-          <p:cNvSpPr txBox="1"/>
-          <p:nvPr/>
-        </p:nvSpPr>
-        <p:spPr>
-          <a:xfrm>
-            <a:off x="0" y="3971700"/>
-            <a:ext cx="9144000" cy="1171800"/>
-          </a:xfrm>
-          <a:prstGeom prst="rect">
-            <a:avLst/>
-          </a:prstGeom>
-          <a:solidFill>
-            <a:srgbClr val="000000"/>
-          </a:solidFill>
-          <a:ln>
-            <a:noFill/>
-          </a:ln>
-        </p:spPr>
-        <p:txBody>
-          <a:bodyPr anchorCtr="0" anchor="t" bIns="91425" lIns="91425" rIns="91425" tIns="91425">
-            <a:noAutofit/>
-          </a:bodyPr>
-          <a:lstStyle/>
-          <a:p>
-            <a:pPr lvl="0" rtl="0">
-              <a:lnSpc>
-                <a:spcPct val="100000"/>
-              </a:lnSpc>
-              <a:spcBef>
-                <a:spcPts val="0"/>
-              </a:spcBef>
-              <a:buNone/>
-            </a:pPr>
-            <a:r>
-              <a:rPr lang="en" sz="2400">
-                <a:solidFill>
-                  <a:srgbClr val="FFFFFF"/>
-                </a:solidFill>
-              </a:rPr>
-              <a:t>   </a:t>
-            </a:r>
-            <a:r>
-              <a:rPr b="1" lang="en" sz="1800">
-                <a:solidFill>
-                  <a:srgbClr val="FFFFFF"/>
-                </a:solidFill>
-              </a:rPr>
-              <a:t>George Williams, Founder</a:t>
-            </a:r>
-          </a:p>
-          <a:p>
-            <a:pPr lvl="0">
-              <a:lnSpc>
-                <a:spcPct val="100000"/>
-              </a:lnSpc>
-              <a:spcBef>
-                <a:spcPts val="0"/>
-              </a:spcBef>
-              <a:buNone/>
-            </a:pPr>
-            <a:r>
-              <a:rPr b="1" lang="en" sz="1800">
-                <a:solidFill>
-                  <a:srgbClr val="FFFFFF"/>
-                </a:solidFill>
-              </a:rPr>
-              <a:t>  </a:t>
-            </a:r>
-          </a:p>
-        </p:txBody>
-      </p:sp>
     </p:spTree>
   </p:cSld>
   <p:clrMapOvr>
@@ -5977,7 +5547,7 @@
     </p:bg>
     <p:spTree>
       <p:nvGrpSpPr>
-        <p:cNvPr id="75" name="Shape 75"/>
+        <p:cNvPr id="74" name="Shape 74"/>
         <p:cNvGrpSpPr/>
         <p:nvPr/>
       </p:nvGrpSpPr>
@@ -5991,43 +5561,7 @@
       </p:grpSpPr>
       <p:sp>
         <p:nvSpPr>
-          <p:cNvPr id="76" name="Shape 76"/>
-          <p:cNvSpPr txBox="1"/>
-          <p:nvPr>
-            <p:ph idx="1" type="body"/>
-          </p:nvPr>
-        </p:nvSpPr>
-        <p:spPr>
-          <a:xfrm>
-            <a:off x="457200" y="1460499"/>
-            <a:ext cx="8229600" cy="3465300"/>
-          </a:xfrm>
-          <a:prstGeom prst="rect">
-            <a:avLst/>
-          </a:prstGeom>
-        </p:spPr>
-        <p:txBody>
-          <a:bodyPr anchorCtr="0" anchor="t" bIns="91425" lIns="91425" rIns="91425" tIns="91425">
-            <a:noAutofit/>
-          </a:bodyPr>
-          <a:lstStyle/>
-          <a:p>
-            <a:pPr lvl="0">
-              <a:spcBef>
-                <a:spcPts val="0"/>
-              </a:spcBef>
-              <a:buNone/>
-            </a:pPr>
-            <a:r>
-              <a:t/>
-            </a:r>
-            <a:endParaRPr/>
-          </a:p>
-        </p:txBody>
-      </p:sp>
-      <p:sp>
-        <p:nvSpPr>
-          <p:cNvPr id="77" name="Shape 77"/>
+          <p:cNvPr id="75" name="Shape 75"/>
           <p:cNvSpPr txBox="1"/>
           <p:nvPr>
             <p:ph type="title"/>
@@ -6063,22 +5597,21 @@
       </p:sp>
       <p:pic>
         <p:nvPicPr>
-          <p:cNvPr id="78" name="Shape 78"/>
+          <p:cNvPr id="76" name="Shape 76"/>
           <p:cNvPicPr preferRelativeResize="0"/>
           <p:nvPr/>
         </p:nvPicPr>
-        <p:blipFill>
+        <p:blipFill rotWithShape="1">
           <a:blip r:embed="rId3">
             <a:alphaModFix/>
           </a:blip>
-          <a:stretch>
-            <a:fillRect/>
-          </a:stretch>
+          <a:srcRect b="0" l="14184" r="11747" t="4039"/>
+          <a:stretch/>
         </p:blipFill>
         <p:spPr>
           <a:xfrm>
-            <a:off x="457200" y="1460500"/>
-            <a:ext cx="8229600" cy="3465299"/>
+            <a:off x="573725" y="1389050"/>
+            <a:ext cx="6882225" cy="3754449"/>
           </a:xfrm>
           <a:prstGeom prst="rect">
             <a:avLst/>
@@ -6109,7 +5642,7 @@
     </p:bg>
     <p:spTree>
       <p:nvGrpSpPr>
-        <p:cNvPr id="82" name="Shape 82"/>
+        <p:cNvPr id="80" name="Shape 80"/>
         <p:cNvGrpSpPr/>
         <p:nvPr/>
       </p:nvGrpSpPr>
@@ -6123,7 +5656,7 @@
       </p:grpSpPr>
       <p:sp>
         <p:nvSpPr>
-          <p:cNvPr id="83" name="Shape 83"/>
+          <p:cNvPr id="81" name="Shape 81"/>
           <p:cNvSpPr txBox="1"/>
           <p:nvPr>
             <p:ph type="title"/>
@@ -6157,60 +5690,23 @@
           </a:p>
         </p:txBody>
       </p:sp>
-      <p:sp>
-        <p:nvSpPr>
-          <p:cNvPr id="84" name="Shape 84"/>
-          <p:cNvSpPr txBox="1"/>
-          <p:nvPr>
-            <p:ph idx="1" type="body"/>
-          </p:nvPr>
-        </p:nvSpPr>
-        <p:spPr>
-          <a:xfrm>
-            <a:off x="457200" y="1460499"/>
-            <a:ext cx="8229600" cy="3465300"/>
-          </a:xfrm>
-          <a:prstGeom prst="rect">
-            <a:avLst/>
-          </a:prstGeom>
-        </p:spPr>
-        <p:txBody>
-          <a:bodyPr anchorCtr="0" anchor="t" bIns="91425" lIns="91425" rIns="91425" tIns="91425">
-            <a:noAutofit/>
-          </a:bodyPr>
-          <a:lstStyle/>
-          <a:p>
-            <a:pPr lvl="0">
-              <a:spcBef>
-                <a:spcPts val="0"/>
-              </a:spcBef>
-              <a:buNone/>
-            </a:pPr>
-            <a:r>
-              <a:t/>
-            </a:r>
-            <a:endParaRPr/>
-          </a:p>
-        </p:txBody>
-      </p:sp>
       <p:pic>
         <p:nvPicPr>
-          <p:cNvPr id="85" name="Shape 85"/>
+          <p:cNvPr id="82" name="Shape 82"/>
           <p:cNvPicPr preferRelativeResize="0"/>
           <p:nvPr/>
         </p:nvPicPr>
-        <p:blipFill>
+        <p:blipFill rotWithShape="1">
           <a:blip r:embed="rId3">
             <a:alphaModFix/>
           </a:blip>
-          <a:stretch>
-            <a:fillRect/>
-          </a:stretch>
+          <a:srcRect b="6733" l="4594" r="6366" t="8146"/>
+          <a:stretch/>
         </p:blipFill>
         <p:spPr>
           <a:xfrm>
-            <a:off x="457200" y="1460500"/>
-            <a:ext cx="8229599" cy="3570974"/>
+            <a:off x="536650" y="2326625"/>
+            <a:ext cx="5766774" cy="2816874"/>
           </a:xfrm>
           <a:prstGeom prst="rect">
             <a:avLst/>
@@ -6221,6 +5717,78 @@
           </a:ln>
         </p:spPr>
       </p:pic>
+      <p:sp>
+        <p:nvSpPr>
+          <p:cNvPr id="83" name="Shape 83"/>
+          <p:cNvSpPr txBox="1"/>
+          <p:nvPr/>
+        </p:nvSpPr>
+        <p:spPr>
+          <a:xfrm>
+            <a:off x="457200" y="1376825"/>
+            <a:ext cx="8229600" cy="949800"/>
+          </a:xfrm>
+          <a:prstGeom prst="rect">
+            <a:avLst/>
+          </a:prstGeom>
+          <a:noFill/>
+          <a:ln>
+            <a:noFill/>
+          </a:ln>
+        </p:spPr>
+        <p:txBody>
+          <a:bodyPr anchorCtr="0" anchor="t" bIns="91425" lIns="91425" rIns="91425" tIns="91425">
+            <a:noAutofit/>
+          </a:bodyPr>
+          <a:lstStyle/>
+          <a:p>
+            <a:pPr indent="-381000" lvl="0" marL="457200" rtl="0">
+              <a:lnSpc>
+                <a:spcPct val="115000"/>
+              </a:lnSpc>
+              <a:spcBef>
+                <a:spcPts val="0"/>
+              </a:spcBef>
+              <a:buClr>
+                <a:schemeClr val="lt1"/>
+              </a:buClr>
+              <a:buSzPct val="100000"/>
+              <a:buChar char="●"/>
+            </a:pPr>
+            <a:r>
+              <a:rPr lang="en" sz="2400">
+                <a:solidFill>
+                  <a:schemeClr val="lt1"/>
+                </a:solidFill>
+              </a:rPr>
+              <a:t>~155 Million Americans play video games</a:t>
+            </a:r>
+          </a:p>
+          <a:p>
+            <a:pPr indent="-381000" lvl="0" marL="457200" rtl="0">
+              <a:lnSpc>
+                <a:spcPct val="115000"/>
+              </a:lnSpc>
+              <a:spcBef>
+                <a:spcPts val="0"/>
+              </a:spcBef>
+              <a:buClr>
+                <a:schemeClr val="lt1"/>
+              </a:buClr>
+              <a:buSzPct val="100000"/>
+              <a:buChar char="●"/>
+            </a:pPr>
+            <a:r>
+              <a:rPr lang="en" sz="2400">
+                <a:solidFill>
+                  <a:schemeClr val="lt1"/>
+                </a:solidFill>
+              </a:rPr>
+              <a:t>80% of households own a gaming device</a:t>
+            </a:r>
+          </a:p>
+        </p:txBody>
+      </p:sp>
     </p:spTree>
   </p:cSld>
   <p:clrMapOvr>
@@ -6241,7 +5809,7 @@
     </p:bg>
     <p:spTree>
       <p:nvGrpSpPr>
-        <p:cNvPr id="89" name="Shape 89"/>
+        <p:cNvPr id="87" name="Shape 87"/>
         <p:cNvGrpSpPr/>
         <p:nvPr/>
       </p:nvGrpSpPr>
@@ -6255,7 +5823,7 @@
       </p:grpSpPr>
       <p:sp>
         <p:nvSpPr>
-          <p:cNvPr id="90" name="Shape 90"/>
+          <p:cNvPr id="88" name="Shape 88"/>
           <p:cNvSpPr txBox="1"/>
           <p:nvPr>
             <p:ph type="title"/>
@@ -6291,7 +5859,7 @@
       </p:sp>
       <p:sp>
         <p:nvSpPr>
-          <p:cNvPr id="91" name="Shape 91"/>
+          <p:cNvPr id="89" name="Shape 89"/>
           <p:cNvSpPr txBox="1"/>
           <p:nvPr>
             <p:ph idx="1" type="body"/>
@@ -6348,7 +5916,7 @@
                   <a:srgbClr val="FFFFFF"/>
                 </a:solidFill>
               </a:rPr>
-              <a:t>Developers gain a source to receive customer input better games for players, as well as push updates out faster</a:t>
+              <a:t>Developers gain a source to receive customer input; help push updates out faster</a:t>
             </a:r>
           </a:p>
           <a:p>
@@ -6393,326 +5961,7 @@
     </p:bg>
     <p:spTree>
       <p:nvGrpSpPr>
-        <p:cNvPr id="95" name="Shape 95"/>
-        <p:cNvGrpSpPr/>
-        <p:nvPr/>
-      </p:nvGrpSpPr>
-      <p:grpSpPr>
-        <a:xfrm>
-          <a:off x="0" y="0"/>
-          <a:ext cx="0" cy="0"/>
-          <a:chOff x="0" y="0"/>
-          <a:chExt cx="0" cy="0"/>
-        </a:xfrm>
-      </p:grpSpPr>
-      <p:sp>
-        <p:nvSpPr>
-          <p:cNvPr id="96" name="Shape 96"/>
-          <p:cNvSpPr txBox="1"/>
-          <p:nvPr>
-            <p:ph type="title"/>
-          </p:nvPr>
-        </p:nvSpPr>
-        <p:spPr>
-          <a:xfrm>
-            <a:off x="457200" y="205977"/>
-            <a:ext cx="8229600" cy="1141500"/>
-          </a:xfrm>
-          <a:prstGeom prst="rect">
-            <a:avLst/>
-          </a:prstGeom>
-        </p:spPr>
-        <p:txBody>
-          <a:bodyPr anchorCtr="0" anchor="b" bIns="91425" lIns="91425" rIns="91425" tIns="91425">
-            <a:noAutofit/>
-          </a:bodyPr>
-          <a:lstStyle/>
-          <a:p>
-            <a:pPr lvl="0">
-              <a:spcBef>
-                <a:spcPts val="0"/>
-              </a:spcBef>
-              <a:buNone/>
-            </a:pPr>
-            <a:r>
-              <a:rPr lang="en"/>
-              <a:t>How It Works</a:t>
-            </a:r>
-          </a:p>
-        </p:txBody>
-      </p:sp>
-      <p:sp>
-        <p:nvSpPr>
-          <p:cNvPr id="97" name="Shape 97"/>
-          <p:cNvSpPr txBox="1"/>
-          <p:nvPr>
-            <p:ph idx="1" type="body"/>
-          </p:nvPr>
-        </p:nvSpPr>
-        <p:spPr>
-          <a:xfrm>
-            <a:off x="457200" y="1460499"/>
-            <a:ext cx="8229600" cy="3465300"/>
-          </a:xfrm>
-          <a:prstGeom prst="rect">
-            <a:avLst/>
-          </a:prstGeom>
-        </p:spPr>
-        <p:txBody>
-          <a:bodyPr anchorCtr="0" anchor="t" bIns="91425" lIns="91425" rIns="91425" tIns="91425">
-            <a:noAutofit/>
-          </a:bodyPr>
-          <a:lstStyle/>
-          <a:p>
-            <a:pPr indent="-381000" lvl="0" marL="457200">
-              <a:spcBef>
-                <a:spcPts val="0"/>
-              </a:spcBef>
-              <a:buClr>
-                <a:schemeClr val="lt1"/>
-              </a:buClr>
-              <a:buSzPct val="100000"/>
-              <a:buChar char="●"/>
-            </a:pPr>
-            <a:r>
-              <a:rPr lang="en" sz="2400">
-                <a:solidFill>
-                  <a:schemeClr val="lt1"/>
-                </a:solidFill>
-              </a:rPr>
-              <a:t>Sign Up/ Sign In</a:t>
-            </a:r>
-          </a:p>
-          <a:p>
-            <a:pPr lvl="0">
-              <a:spcBef>
-                <a:spcPts val="0"/>
-              </a:spcBef>
-              <a:buClr>
-                <a:schemeClr val="dk1"/>
-              </a:buClr>
-              <a:buSzPct val="45833"/>
-              <a:buFont typeface="Arial"/>
-              <a:buNone/>
-            </a:pPr>
-            <a:r>
-              <a:t/>
-            </a:r>
-            <a:endParaRPr sz="2400">
-              <a:solidFill>
-                <a:schemeClr val="lt1"/>
-              </a:solidFill>
-            </a:endParaRPr>
-          </a:p>
-          <a:p>
-            <a:pPr indent="-381000" lvl="0" marL="457200">
-              <a:spcBef>
-                <a:spcPts val="0"/>
-              </a:spcBef>
-              <a:buClr>
-                <a:schemeClr val="lt1"/>
-              </a:buClr>
-              <a:buSzPct val="100000"/>
-              <a:buChar char="●"/>
-            </a:pPr>
-            <a:r>
-              <a:rPr lang="en" sz="2400">
-                <a:solidFill>
-                  <a:schemeClr val="lt1"/>
-                </a:solidFill>
-              </a:rPr>
-              <a:t>Upvote/Downvote</a:t>
-            </a:r>
-          </a:p>
-          <a:p>
-            <a:pPr lvl="0">
-              <a:spcBef>
-                <a:spcPts val="0"/>
-              </a:spcBef>
-              <a:buClr>
-                <a:schemeClr val="dk1"/>
-              </a:buClr>
-              <a:buSzPct val="45833"/>
-              <a:buFont typeface="Arial"/>
-              <a:buNone/>
-            </a:pPr>
-            <a:r>
-              <a:t/>
-            </a:r>
-            <a:endParaRPr sz="2400">
-              <a:solidFill>
-                <a:schemeClr val="lt1"/>
-              </a:solidFill>
-            </a:endParaRPr>
-          </a:p>
-          <a:p>
-            <a:pPr indent="-381000" lvl="0" marL="457200">
-              <a:spcBef>
-                <a:spcPts val="0"/>
-              </a:spcBef>
-              <a:buClr>
-                <a:schemeClr val="lt1"/>
-              </a:buClr>
-              <a:buSzPct val="100000"/>
-              <a:buChar char="●"/>
-            </a:pPr>
-            <a:r>
-              <a:rPr lang="en" sz="2400">
-                <a:solidFill>
-                  <a:schemeClr val="lt1"/>
-                </a:solidFill>
-              </a:rPr>
-              <a:t>Post Your Own Opinions</a:t>
-            </a:r>
-          </a:p>
-          <a:p>
-            <a:pPr lvl="0">
-              <a:spcBef>
-                <a:spcPts val="0"/>
-              </a:spcBef>
-              <a:buClr>
-                <a:schemeClr val="dk1"/>
-              </a:buClr>
-              <a:buSzPct val="45833"/>
-              <a:buFont typeface="Arial"/>
-              <a:buNone/>
-            </a:pPr>
-            <a:r>
-              <a:t/>
-            </a:r>
-            <a:endParaRPr sz="2400">
-              <a:solidFill>
-                <a:schemeClr val="lt1"/>
-              </a:solidFill>
-            </a:endParaRPr>
-          </a:p>
-          <a:p>
-            <a:pPr indent="-381000" lvl="0" marL="457200">
-              <a:spcBef>
-                <a:spcPts val="0"/>
-              </a:spcBef>
-              <a:buClr>
-                <a:schemeClr val="lt1"/>
-              </a:buClr>
-              <a:buSzPct val="100000"/>
-              <a:buChar char="●"/>
-            </a:pPr>
-            <a:r>
-              <a:rPr lang="en" sz="2400">
-                <a:solidFill>
-                  <a:schemeClr val="lt1"/>
-                </a:solidFill>
-              </a:rPr>
-              <a:t>Connect With Other Gamers Via GameChats</a:t>
-            </a:r>
-          </a:p>
-        </p:txBody>
-      </p:sp>
-      <p:pic>
-        <p:nvPicPr>
-          <p:cNvPr id="98" name="Shape 98"/>
-          <p:cNvPicPr preferRelativeResize="0"/>
-          <p:nvPr/>
-        </p:nvPicPr>
-        <p:blipFill>
-          <a:blip r:embed="rId3">
-            <a:alphaModFix/>
-          </a:blip>
-          <a:stretch>
-            <a:fillRect/>
-          </a:stretch>
-        </p:blipFill>
-        <p:spPr>
-          <a:xfrm>
-            <a:off x="3407275" y="1460500"/>
-            <a:ext cx="724799" cy="710374"/>
-          </a:xfrm>
-          <a:prstGeom prst="rect">
-            <a:avLst/>
-          </a:prstGeom>
-          <a:noFill/>
-          <a:ln>
-            <a:noFill/>
-          </a:ln>
-        </p:spPr>
-      </p:pic>
-      <p:pic>
-        <p:nvPicPr>
-          <p:cNvPr id="99" name="Shape 99"/>
-          <p:cNvPicPr preferRelativeResize="0"/>
-          <p:nvPr/>
-        </p:nvPicPr>
-        <p:blipFill>
-          <a:blip r:embed="rId4">
-            <a:alphaModFix/>
-          </a:blip>
-          <a:stretch>
-            <a:fillRect/>
-          </a:stretch>
-        </p:blipFill>
-        <p:spPr>
-          <a:xfrm>
-            <a:off x="4466450" y="2359850"/>
-            <a:ext cx="827850" cy="827850"/>
-          </a:xfrm>
-          <a:prstGeom prst="rect">
-            <a:avLst/>
-          </a:prstGeom>
-          <a:noFill/>
-          <a:ln>
-            <a:noFill/>
-          </a:ln>
-        </p:spPr>
-      </p:pic>
-      <p:pic>
-        <p:nvPicPr>
-          <p:cNvPr id="100" name="Shape 100"/>
-          <p:cNvPicPr preferRelativeResize="0"/>
-          <p:nvPr/>
-        </p:nvPicPr>
-        <p:blipFill>
-          <a:blip r:embed="rId5">
-            <a:alphaModFix/>
-          </a:blip>
-          <a:stretch>
-            <a:fillRect/>
-          </a:stretch>
-        </p:blipFill>
-        <p:spPr>
-          <a:xfrm>
-            <a:off x="7263619" y="3187699"/>
-            <a:ext cx="1806355" cy="1141500"/>
-          </a:xfrm>
-          <a:prstGeom prst="rect">
-            <a:avLst/>
-          </a:prstGeom>
-          <a:noFill/>
-          <a:ln>
-            <a:noFill/>
-          </a:ln>
-        </p:spPr>
-      </p:pic>
-    </p:spTree>
-  </p:cSld>
-  <p:clrMapOvr>
-    <a:masterClrMapping/>
-  </p:clrMapOvr>
-</p:sld>
-</file>
-
-<file path=ppt/slides/slide7.xml><?xml version="1.0" encoding="utf-8"?>
-<p:sld xmlns:a="http://schemas.openxmlformats.org/drawingml/2006/main" xmlns:r="http://schemas.openxmlformats.org/officeDocument/2006/relationships" xmlns:mc="http://schemas.openxmlformats.org/markup-compatibility/2006" xmlns:mv="urn:schemas-microsoft-com:mac:vml" xmlns:p="http://schemas.openxmlformats.org/presentationml/2006/main" xmlns:c="http://schemas.openxmlformats.org/drawingml/2006/chart" xmlns:dgm="http://schemas.openxmlformats.org/drawingml/2006/diagram" xmlns:o="urn:schemas-microsoft-com:office:office" xmlns:v="urn:schemas-microsoft-com:vml" xmlns:pvml="urn:schemas-microsoft-com:office:powerpoint" xmlns:com="http://schemas.openxmlformats.org/drawingml/2006/compatibility" xmlns:p14="http://schemas.microsoft.com/office/powerpoint/2010/main">
-  <p:cSld>
-    <p:bg>
-      <p:bgPr>
-        <a:solidFill>
-          <a:srgbClr val="0B5394"/>
-        </a:solidFill>
-      </p:bgPr>
-    </p:bg>
-    <p:spTree>
-      <p:nvGrpSpPr>
-        <p:cNvPr id="104" name="Shape 104"/>
+        <p:cNvPr id="93" name="Shape 93"/>
         <p:cNvGrpSpPr/>
         <p:nvPr/>
       </p:nvGrpSpPr>
@@ -6726,7 +5975,7 @@
       </p:grpSpPr>
       <p:pic>
         <p:nvPicPr>
-          <p:cNvPr id="105" name="Shape 105">
+          <p:cNvPr id="94" name="Shape 94">
             <a:hlinkClick r:id="rId3"/>
           </p:cNvPr>
           <p:cNvPicPr preferRelativeResize="0"/>
@@ -6756,14 +6005,14 @@
       </p:pic>
       <p:sp>
         <p:nvSpPr>
-          <p:cNvPr id="106" name="Shape 106"/>
+          <p:cNvPr id="95" name="Shape 95"/>
           <p:cNvSpPr txBox="1"/>
           <p:nvPr/>
         </p:nvSpPr>
         <p:spPr>
           <a:xfrm>
-            <a:off x="56550" y="730550"/>
-            <a:ext cx="1729800" cy="2571900"/>
+            <a:off x="56550" y="1097150"/>
+            <a:ext cx="1729800" cy="2205300"/>
           </a:xfrm>
           <a:prstGeom prst="rect">
             <a:avLst/>
@@ -6786,12 +6035,214 @@
               <a:buNone/>
             </a:pPr>
             <a:r>
-              <a:rPr lang="en" sz="1000">
+              <a:rPr lang="en">
                 <a:solidFill>
                   <a:srgbClr val="38761D"/>
                 </a:solidFill>
               </a:rPr>
               <a:t>GameStop</a:t>
+            </a:r>
+          </a:p>
+          <a:p>
+            <a:pPr lvl="0">
+              <a:spcBef>
+                <a:spcPts val="0"/>
+              </a:spcBef>
+              <a:buNone/>
+            </a:pPr>
+            <a:r>
+              <a:t/>
+            </a:r>
+            <a:endParaRPr>
+              <a:solidFill>
+                <a:srgbClr val="38761D"/>
+              </a:solidFill>
+            </a:endParaRPr>
+          </a:p>
+          <a:p>
+            <a:pPr lvl="0">
+              <a:spcBef>
+                <a:spcPts val="0"/>
+              </a:spcBef>
+              <a:buNone/>
+            </a:pPr>
+            <a:r>
+              <a:rPr lang="en">
+                <a:solidFill>
+                  <a:srgbClr val="38761D"/>
+                </a:solidFill>
+              </a:rPr>
+              <a:t>Twitch</a:t>
+            </a:r>
+          </a:p>
+          <a:p>
+            <a:pPr lvl="0">
+              <a:spcBef>
+                <a:spcPts val="0"/>
+              </a:spcBef>
+              <a:buNone/>
+            </a:pPr>
+            <a:r>
+              <a:t/>
+            </a:r>
+            <a:endParaRPr>
+              <a:solidFill>
+                <a:srgbClr val="38761D"/>
+              </a:solidFill>
+            </a:endParaRPr>
+          </a:p>
+          <a:p>
+            <a:pPr lvl="0">
+              <a:spcBef>
+                <a:spcPts val="0"/>
+              </a:spcBef>
+              <a:buNone/>
+            </a:pPr>
+            <a:r>
+              <a:rPr lang="en">
+                <a:solidFill>
+                  <a:srgbClr val="38761D"/>
+                </a:solidFill>
+              </a:rPr>
+              <a:t>Reddit</a:t>
+            </a:r>
+          </a:p>
+          <a:p>
+            <a:pPr lvl="0">
+              <a:spcBef>
+                <a:spcPts val="0"/>
+              </a:spcBef>
+              <a:buNone/>
+            </a:pPr>
+            <a:r>
+              <a:t/>
+            </a:r>
+            <a:endParaRPr>
+              <a:solidFill>
+                <a:srgbClr val="38761D"/>
+              </a:solidFill>
+            </a:endParaRPr>
+          </a:p>
+          <a:p>
+            <a:pPr lvl="0">
+              <a:spcBef>
+                <a:spcPts val="0"/>
+              </a:spcBef>
+              <a:buNone/>
+            </a:pPr>
+            <a:r>
+              <a:rPr lang="en">
+                <a:solidFill>
+                  <a:srgbClr val="38761D"/>
+                </a:solidFill>
+              </a:rPr>
+              <a:t>Game Developers</a:t>
+            </a:r>
+          </a:p>
+        </p:txBody>
+      </p:sp>
+      <p:sp>
+        <p:nvSpPr>
+          <p:cNvPr id="96" name="Shape 96"/>
+          <p:cNvSpPr txBox="1"/>
+          <p:nvPr/>
+        </p:nvSpPr>
+        <p:spPr>
+          <a:xfrm>
+            <a:off x="1869625" y="891925"/>
+            <a:ext cx="1729800" cy="1303200"/>
+          </a:xfrm>
+          <a:prstGeom prst="rect">
+            <a:avLst/>
+          </a:prstGeom>
+          <a:noFill/>
+          <a:ln>
+            <a:noFill/>
+          </a:ln>
+        </p:spPr>
+        <p:txBody>
+          <a:bodyPr anchorCtr="0" anchor="t" bIns="91425" lIns="91425" rIns="91425" tIns="91425">
+            <a:noAutofit/>
+          </a:bodyPr>
+          <a:lstStyle/>
+          <a:p>
+            <a:pPr lvl="0">
+              <a:spcBef>
+                <a:spcPts val="0"/>
+              </a:spcBef>
+              <a:buNone/>
+            </a:pPr>
+            <a:r>
+              <a:rPr lang="en" sz="1100">
+                <a:solidFill>
+                  <a:srgbClr val="38761D"/>
+                </a:solidFill>
+              </a:rPr>
+              <a:t>Website development</a:t>
+            </a:r>
+          </a:p>
+          <a:p>
+            <a:pPr lvl="0">
+              <a:spcBef>
+                <a:spcPts val="0"/>
+              </a:spcBef>
+              <a:buNone/>
+            </a:pPr>
+            <a:r>
+              <a:t/>
+            </a:r>
+            <a:endParaRPr sz="1100">
+              <a:solidFill>
+                <a:srgbClr val="38761D"/>
+              </a:solidFill>
+            </a:endParaRPr>
+          </a:p>
+          <a:p>
+            <a:pPr lvl="0">
+              <a:spcBef>
+                <a:spcPts val="0"/>
+              </a:spcBef>
+              <a:buNone/>
+            </a:pPr>
+            <a:r>
+              <a:rPr lang="en" sz="1100">
+                <a:solidFill>
+                  <a:srgbClr val="38761D"/>
+                </a:solidFill>
+              </a:rPr>
+              <a:t>Application development</a:t>
+            </a:r>
+          </a:p>
+          <a:p>
+            <a:pPr lvl="0">
+              <a:spcBef>
+                <a:spcPts val="0"/>
+              </a:spcBef>
+              <a:buNone/>
+            </a:pPr>
+            <a:r>
+              <a:t/>
+            </a:r>
+            <a:endParaRPr sz="1100">
+              <a:solidFill>
+                <a:srgbClr val="38761D"/>
+              </a:solidFill>
+            </a:endParaRPr>
+          </a:p>
+          <a:p>
+            <a:pPr lvl="0">
+              <a:spcBef>
+                <a:spcPts val="0"/>
+              </a:spcBef>
+              <a:buNone/>
+            </a:pPr>
+            <a:r>
+              <a:rPr lang="en" sz="1100">
+                <a:solidFill>
+                  <a:srgbClr val="0000FF"/>
+                </a:solidFill>
+              </a:rPr>
+              <a:t>Focus groups w/ game developers and gamers</a:t>
             </a:r>
           </a:p>
           <a:p>
@@ -6818,22 +6269,6 @@
               <a:buNone/>
             </a:pPr>
             <a:r>
-              <a:rPr lang="en" sz="1000">
-                <a:solidFill>
-                  <a:srgbClr val="38761D"/>
-                </a:solidFill>
-              </a:rPr>
-              <a:t>Twitch</a:t>
-            </a:r>
-          </a:p>
-          <a:p>
-            <a:pPr lvl="0">
-              <a:spcBef>
-                <a:spcPts val="0"/>
-              </a:spcBef>
-              <a:buNone/>
-            </a:pPr>
-            <a:r>
               <a:t/>
             </a:r>
             <a:endParaRPr sz="1000">
@@ -6843,23 +6278,7 @@
             </a:endParaRPr>
           </a:p>
           <a:p>
-            <a:pPr lvl="0">
-              <a:spcBef>
-                <a:spcPts val="0"/>
-              </a:spcBef>
-              <a:buNone/>
-            </a:pPr>
-            <a:r>
-              <a:rPr lang="en" sz="1000">
-                <a:solidFill>
-                  <a:srgbClr val="38761D"/>
-                </a:solidFill>
-              </a:rPr>
-              <a:t>Reddit</a:t>
-            </a:r>
-          </a:p>
-          <a:p>
-            <a:pPr lvl="0">
+            <a:pPr lvl="0" rtl="0">
               <a:spcBef>
                 <a:spcPts val="0"/>
               </a:spcBef>
@@ -6870,37 +6289,21 @@
             </a:r>
             <a:endParaRPr sz="1000">
               <a:solidFill>
-                <a:srgbClr val="38761D"/>
+                <a:srgbClr val="0000FF"/>
               </a:solidFill>
             </a:endParaRPr>
-          </a:p>
-          <a:p>
-            <a:pPr lvl="0">
-              <a:spcBef>
-                <a:spcPts val="0"/>
-              </a:spcBef>
-              <a:buNone/>
-            </a:pPr>
-            <a:r>
-              <a:rPr lang="en" sz="1000">
-                <a:solidFill>
-                  <a:srgbClr val="38761D"/>
-                </a:solidFill>
-              </a:rPr>
-              <a:t>Game Developers</a:t>
-            </a:r>
           </a:p>
         </p:txBody>
       </p:sp>
       <p:sp>
         <p:nvSpPr>
-          <p:cNvPr id="107" name="Shape 107"/>
+          <p:cNvPr id="97" name="Shape 97"/>
           <p:cNvSpPr txBox="1"/>
           <p:nvPr/>
         </p:nvSpPr>
         <p:spPr>
           <a:xfrm>
-            <a:off x="1869625" y="594625"/>
+            <a:off x="1881825" y="2444350"/>
             <a:ext cx="1729800" cy="1600500"/>
           </a:xfrm>
           <a:prstGeom prst="rect">
@@ -6924,16 +6327,48 @@
               <a:buNone/>
             </a:pPr>
             <a:r>
-              <a:rPr lang="en" sz="1000">
+              <a:rPr lang="en" sz="1100">
                 <a:solidFill>
                   <a:srgbClr val="38761D"/>
                 </a:solidFill>
               </a:rPr>
-              <a:t>Website development</a:t>
+              <a:t>Users</a:t>
             </a:r>
           </a:p>
           <a:p>
             <a:pPr lvl="0">
+              <a:spcBef>
+                <a:spcPts val="0"/>
+              </a:spcBef>
+              <a:buNone/>
+            </a:pPr>
+            <a:r>
+              <a:t/>
+            </a:r>
+            <a:endParaRPr sz="1100">
+              <a:solidFill>
+                <a:srgbClr val="38761D"/>
+              </a:solidFill>
+            </a:endParaRPr>
+          </a:p>
+          <a:p>
+            <a:pPr lvl="0">
+              <a:spcBef>
+                <a:spcPts val="0"/>
+              </a:spcBef>
+              <a:buNone/>
+            </a:pPr>
+            <a:r>
+              <a:rPr lang="en" sz="1100">
+                <a:solidFill>
+                  <a:srgbClr val="38761D"/>
+                </a:solidFill>
+              </a:rPr>
+              <a:t>Advertisement</a:t>
+            </a:r>
+          </a:p>
+          <a:p>
+            <a:pPr lvl="0" rtl="0">
               <a:spcBef>
                 <a:spcPts val="0"/>
               </a:spcBef>
@@ -6948,197 +6383,11 @@
               </a:solidFill>
             </a:endParaRPr>
           </a:p>
-          <a:p>
-            <a:pPr lvl="0">
-              <a:spcBef>
-                <a:spcPts val="0"/>
-              </a:spcBef>
-              <a:buNone/>
-            </a:pPr>
-            <a:r>
-              <a:rPr lang="en" sz="1000">
-                <a:solidFill>
-                  <a:srgbClr val="38761D"/>
-                </a:solidFill>
-              </a:rPr>
-              <a:t>Application development</a:t>
-            </a:r>
-          </a:p>
-          <a:p>
-            <a:pPr lvl="0">
-              <a:spcBef>
-                <a:spcPts val="0"/>
-              </a:spcBef>
-              <a:buNone/>
-            </a:pPr>
-            <a:r>
-              <a:t/>
-            </a:r>
-            <a:endParaRPr sz="1000">
-              <a:solidFill>
-                <a:srgbClr val="38761D"/>
-              </a:solidFill>
-            </a:endParaRPr>
-          </a:p>
-          <a:p>
-            <a:pPr lvl="0">
-              <a:spcBef>
-                <a:spcPts val="0"/>
-              </a:spcBef>
-              <a:buNone/>
-            </a:pPr>
-            <a:r>
-              <a:rPr lang="en" sz="1000">
-                <a:solidFill>
-                  <a:srgbClr val="0000FF"/>
-                </a:solidFill>
-              </a:rPr>
-              <a:t>Focus groups w/ game developers and gamers</a:t>
-            </a:r>
-          </a:p>
-          <a:p>
-            <a:pPr lvl="0">
-              <a:spcBef>
-                <a:spcPts val="0"/>
-              </a:spcBef>
-              <a:buNone/>
-            </a:pPr>
-            <a:r>
-              <a:t/>
-            </a:r>
-            <a:endParaRPr sz="1000">
-              <a:solidFill>
-                <a:srgbClr val="38761D"/>
-              </a:solidFill>
-            </a:endParaRPr>
-          </a:p>
-          <a:p>
-            <a:pPr lvl="0">
-              <a:spcBef>
-                <a:spcPts val="0"/>
-              </a:spcBef>
-              <a:buNone/>
-            </a:pPr>
-            <a:r>
-              <a:t/>
-            </a:r>
-            <a:endParaRPr sz="1000">
-              <a:solidFill>
-                <a:srgbClr val="38761D"/>
-              </a:solidFill>
-            </a:endParaRPr>
-          </a:p>
-          <a:p>
-            <a:pPr lvl="0" rtl="0">
-              <a:spcBef>
-                <a:spcPts val="0"/>
-              </a:spcBef>
-              <a:buNone/>
-            </a:pPr>
-            <a:r>
-              <a:t/>
-            </a:r>
-            <a:endParaRPr sz="1000">
-              <a:solidFill>
-                <a:srgbClr val="0000FF"/>
-              </a:solidFill>
-            </a:endParaRPr>
-          </a:p>
         </p:txBody>
       </p:sp>
       <p:sp>
         <p:nvSpPr>
-          <p:cNvPr id="108" name="Shape 108"/>
-          <p:cNvSpPr txBox="1"/>
-          <p:nvPr/>
-        </p:nvSpPr>
-        <p:spPr>
-          <a:xfrm>
-            <a:off x="1869625" y="2479575"/>
-            <a:ext cx="1729800" cy="1600500"/>
-          </a:xfrm>
-          <a:prstGeom prst="rect">
-            <a:avLst/>
-          </a:prstGeom>
-          <a:noFill/>
-          <a:ln>
-            <a:noFill/>
-          </a:ln>
-        </p:spPr>
-        <p:txBody>
-          <a:bodyPr anchorCtr="0" anchor="t" bIns="91425" lIns="91425" rIns="91425" tIns="91425">
-            <a:noAutofit/>
-          </a:bodyPr>
-          <a:lstStyle/>
-          <a:p>
-            <a:pPr lvl="0">
-              <a:spcBef>
-                <a:spcPts val="0"/>
-              </a:spcBef>
-              <a:buNone/>
-            </a:pPr>
-            <a:r>
-              <a:rPr lang="en" sz="1000">
-                <a:solidFill>
-                  <a:srgbClr val="38761D"/>
-                </a:solidFill>
-              </a:rPr>
-              <a:t>Users</a:t>
-            </a:r>
-          </a:p>
-          <a:p>
-            <a:pPr lvl="0">
-              <a:spcBef>
-                <a:spcPts val="0"/>
-              </a:spcBef>
-              <a:buNone/>
-            </a:pPr>
-            <a:r>
-              <a:t/>
-            </a:r>
-            <a:endParaRPr sz="1000">
-              <a:solidFill>
-                <a:srgbClr val="38761D"/>
-              </a:solidFill>
-            </a:endParaRPr>
-          </a:p>
-          <a:p>
-            <a:pPr lvl="0">
-              <a:spcBef>
-                <a:spcPts val="0"/>
-              </a:spcBef>
-              <a:buNone/>
-            </a:pPr>
-            <a:r>
-              <a:rPr lang="en" sz="1000">
-                <a:solidFill>
-                  <a:srgbClr val="38761D"/>
-                </a:solidFill>
-              </a:rPr>
-              <a:t>Advertisement</a:t>
-            </a:r>
-          </a:p>
-          <a:p>
-            <a:pPr lvl="0" rtl="0">
-              <a:spcBef>
-                <a:spcPts val="0"/>
-              </a:spcBef>
-              <a:buNone/>
-            </a:pPr>
-            <a:r>
-              <a:t/>
-            </a:r>
-            <a:endParaRPr sz="1000">
-              <a:solidFill>
-                <a:srgbClr val="38761D"/>
-              </a:solidFill>
-            </a:endParaRPr>
-          </a:p>
-        </p:txBody>
-      </p:sp>
-      <p:sp>
-        <p:nvSpPr>
-          <p:cNvPr id="109" name="Shape 109"/>
+          <p:cNvPr id="98" name="Shape 98"/>
           <p:cNvSpPr txBox="1"/>
           <p:nvPr/>
         </p:nvSpPr>
@@ -7168,7 +6417,7 @@
               <a:buNone/>
             </a:pPr>
             <a:r>
-              <a:rPr lang="en" sz="1000" u="sng">
+              <a:rPr lang="en" sz="1200" u="sng">
                 <a:solidFill>
                   <a:srgbClr val="38761D"/>
                 </a:solidFill>
@@ -7176,12 +6425,132 @@
               <a:t>Opinion Voicing</a:t>
             </a:r>
             <a:r>
-              <a:rPr lang="en" sz="1000">
+              <a:rPr lang="en" sz="1200">
                 <a:solidFill>
                   <a:srgbClr val="38761D"/>
                 </a:solidFill>
               </a:rPr>
               <a:t>- Gamers can offer update ideas</a:t>
+            </a:r>
+          </a:p>
+          <a:p>
+            <a:pPr lvl="0">
+              <a:spcBef>
+                <a:spcPts val="0"/>
+              </a:spcBef>
+              <a:buNone/>
+            </a:pPr>
+            <a:r>
+              <a:t/>
+            </a:r>
+            <a:endParaRPr sz="1200">
+              <a:solidFill>
+                <a:srgbClr val="38761D"/>
+              </a:solidFill>
+            </a:endParaRPr>
+          </a:p>
+          <a:p>
+            <a:pPr lvl="0">
+              <a:spcBef>
+                <a:spcPts val="0"/>
+              </a:spcBef>
+              <a:buNone/>
+            </a:pPr>
+            <a:r>
+              <a:rPr lang="en" sz="1200" u="sng">
+                <a:solidFill>
+                  <a:srgbClr val="38761D"/>
+                </a:solidFill>
+              </a:rPr>
+              <a:t>Ad Space for Devs</a:t>
+            </a:r>
+            <a:r>
+              <a:rPr lang="en" sz="1200">
+                <a:solidFill>
+                  <a:srgbClr val="38761D"/>
+                </a:solidFill>
+              </a:rPr>
+              <a:t>- Devs get a concentrated base to advertise to</a:t>
+            </a:r>
+          </a:p>
+          <a:p>
+            <a:pPr lvl="0">
+              <a:spcBef>
+                <a:spcPts val="0"/>
+              </a:spcBef>
+              <a:buNone/>
+            </a:pPr>
+            <a:r>
+              <a:t/>
+            </a:r>
+            <a:endParaRPr sz="1200">
+              <a:solidFill>
+                <a:srgbClr val="38761D"/>
+              </a:solidFill>
+            </a:endParaRPr>
+          </a:p>
+          <a:p>
+            <a:pPr lvl="0">
+              <a:spcBef>
+                <a:spcPts val="0"/>
+              </a:spcBef>
+              <a:buNone/>
+            </a:pPr>
+            <a:r>
+              <a:rPr lang="en" sz="1200" u="sng">
+                <a:solidFill>
+                  <a:srgbClr val="0000FF"/>
+                </a:solidFill>
+              </a:rPr>
+              <a:t>Account Linking</a:t>
+            </a:r>
+            <a:r>
+              <a:rPr lang="en" sz="1200">
+                <a:solidFill>
+                  <a:srgbClr val="0000FF"/>
+                </a:solidFill>
+              </a:rPr>
+              <a:t>- Users connect their game accounts</a:t>
+            </a:r>
+          </a:p>
+          <a:p>
+            <a:pPr lvl="0">
+              <a:spcBef>
+                <a:spcPts val="0"/>
+              </a:spcBef>
+              <a:buNone/>
+            </a:pPr>
+            <a:r>
+              <a:t/>
+            </a:r>
+            <a:endParaRPr sz="1200">
+              <a:solidFill>
+                <a:srgbClr val="0000FF"/>
+              </a:solidFill>
+            </a:endParaRPr>
+          </a:p>
+          <a:p>
+            <a:pPr lvl="0" rtl="0">
+              <a:spcBef>
+                <a:spcPts val="0"/>
+              </a:spcBef>
+              <a:buNone/>
+            </a:pPr>
+            <a:r>
+              <a:rPr lang="en" sz="1200" u="sng">
+                <a:solidFill>
+                  <a:srgbClr val="0000FF"/>
+                </a:solidFill>
+              </a:rPr>
+              <a:t>Walkthrough </a:t>
+            </a:r>
+            <a:r>
+              <a:rPr lang="en" sz="1200">
+                <a:solidFill>
+                  <a:srgbClr val="0000FF"/>
+                </a:solidFill>
+              </a:rPr>
+              <a:t>- Many users sought a walkthrough feature in my competitors</a:t>
             </a:r>
           </a:p>
           <a:p>
@@ -7201,71 +6570,7 @@
             </a:endParaRPr>
           </a:p>
           <a:p>
-            <a:pPr lvl="0">
-              <a:spcBef>
-                <a:spcPts val="0"/>
-              </a:spcBef>
-              <a:buNone/>
-            </a:pPr>
-            <a:r>
-              <a:rPr lang="en" sz="1000" u="sng">
-                <a:solidFill>
-                  <a:srgbClr val="38761D"/>
-                </a:solidFill>
-              </a:rPr>
-              <a:t>Ad Space for Devs</a:t>
-            </a:r>
-            <a:r>
-              <a:rPr lang="en" sz="1000">
-                <a:solidFill>
-                  <a:srgbClr val="38761D"/>
-                </a:solidFill>
-              </a:rPr>
-              <a:t>- Devs get a concentrated base to advertise to</a:t>
-            </a:r>
-          </a:p>
-          <a:p>
-            <a:pPr lvl="0">
-              <a:spcBef>
-                <a:spcPts val="0"/>
-              </a:spcBef>
-              <a:buNone/>
-            </a:pPr>
-            <a:r>
-              <a:t/>
-            </a:r>
-            <a:endParaRPr sz="1000">
-              <a:solidFill>
-                <a:srgbClr val="38761D"/>
-              </a:solidFill>
-            </a:endParaRPr>
-          </a:p>
-          <a:p>
-            <a:pPr lvl="0">
-              <a:spcBef>
-                <a:spcPts val="0"/>
-              </a:spcBef>
-              <a:buNone/>
-            </a:pPr>
-            <a:r>
-              <a:rPr lang="en" sz="1000" u="sng">
-                <a:solidFill>
-                  <a:srgbClr val="0000FF"/>
-                </a:solidFill>
-              </a:rPr>
-              <a:t>Account Linking</a:t>
-            </a:r>
-            <a:r>
-              <a:rPr lang="en" sz="1000">
-                <a:solidFill>
-                  <a:srgbClr val="0000FF"/>
-                </a:solidFill>
-              </a:rPr>
-              <a:t>- Users connect their game accounts</a:t>
-            </a:r>
-          </a:p>
-          <a:p>
-            <a:pPr lvl="0">
+            <a:pPr lvl="0" rtl="0">
               <a:spcBef>
                 <a:spcPts val="0"/>
               </a:spcBef>
@@ -7280,67 +6585,11 @@
               </a:solidFill>
             </a:endParaRPr>
           </a:p>
-          <a:p>
-            <a:pPr lvl="0" rtl="0">
-              <a:spcBef>
-                <a:spcPts val="0"/>
-              </a:spcBef>
-              <a:buNone/>
-            </a:pPr>
-            <a:r>
-              <a:rPr lang="en" sz="1000" u="sng">
-                <a:solidFill>
-                  <a:srgbClr val="0000FF"/>
-                </a:solidFill>
-              </a:rPr>
-              <a:t>Walkthrough </a:t>
-            </a:r>
-            <a:r>
-              <a:rPr lang="en" sz="1000">
-                <a:solidFill>
-                  <a:srgbClr val="0000FF"/>
-                </a:solidFill>
-              </a:rPr>
-              <a:t>- Many users sought a walkthrough feature in my competitors</a:t>
-            </a:r>
-          </a:p>
-          <a:p>
-            <a:pPr lvl="0">
-              <a:spcBef>
-                <a:spcPts val="0"/>
-              </a:spcBef>
-              <a:buNone/>
-            </a:pPr>
-            <a:r>
-              <a:t/>
-            </a:r>
-            <a:endParaRPr sz="1000">
-              <a:solidFill>
-                <a:srgbClr val="38761D"/>
-              </a:solidFill>
-            </a:endParaRPr>
-          </a:p>
-          <a:p>
-            <a:pPr lvl="0" rtl="0">
-              <a:spcBef>
-                <a:spcPts val="0"/>
-              </a:spcBef>
-              <a:buNone/>
-            </a:pPr>
-            <a:r>
-              <a:t/>
-            </a:r>
-            <a:endParaRPr sz="1000">
-              <a:solidFill>
-                <a:srgbClr val="0000FF"/>
-              </a:solidFill>
-            </a:endParaRPr>
-          </a:p>
         </p:txBody>
       </p:sp>
       <p:sp>
         <p:nvSpPr>
-          <p:cNvPr id="110" name="Shape 110"/>
+          <p:cNvPr id="99" name="Shape 99"/>
           <p:cNvSpPr txBox="1"/>
           <p:nvPr/>
         </p:nvSpPr>
@@ -7370,12 +6619,76 @@
               <a:buNone/>
             </a:pPr>
             <a:r>
-              <a:rPr lang="en" sz="1000">
+              <a:rPr lang="en">
                 <a:solidFill>
                   <a:srgbClr val="38761D"/>
                 </a:solidFill>
               </a:rPr>
               <a:t>Gamers between the ages of 11 and 40</a:t>
+            </a:r>
+          </a:p>
+          <a:p>
+            <a:pPr lvl="0">
+              <a:spcBef>
+                <a:spcPts val="0"/>
+              </a:spcBef>
+              <a:buNone/>
+            </a:pPr>
+            <a:r>
+              <a:t/>
+            </a:r>
+            <a:endParaRPr>
+              <a:solidFill>
+                <a:srgbClr val="38761D"/>
+              </a:solidFill>
+            </a:endParaRPr>
+          </a:p>
+          <a:p>
+            <a:pPr lvl="0">
+              <a:spcBef>
+                <a:spcPts val="0"/>
+              </a:spcBef>
+              <a:buNone/>
+            </a:pPr>
+            <a:r>
+              <a:rPr lang="en">
+                <a:solidFill>
+                  <a:srgbClr val="38761D"/>
+                </a:solidFill>
+              </a:rPr>
+              <a:t>Developers of major video game companies</a:t>
+            </a:r>
+          </a:p>
+          <a:p>
+            <a:pPr lvl="0">
+              <a:spcBef>
+                <a:spcPts val="0"/>
+              </a:spcBef>
+              <a:buNone/>
+            </a:pPr>
+            <a:r>
+              <a:t/>
+            </a:r>
+            <a:endParaRPr>
+              <a:solidFill>
+                <a:srgbClr val="38761D"/>
+              </a:solidFill>
+            </a:endParaRPr>
+          </a:p>
+          <a:p>
+            <a:pPr lvl="0">
+              <a:spcBef>
+                <a:spcPts val="0"/>
+              </a:spcBef>
+              <a:buNone/>
+            </a:pPr>
+            <a:r>
+              <a:rPr lang="en">
+                <a:solidFill>
+                  <a:srgbClr val="0000FF"/>
+                </a:solidFill>
+              </a:rPr>
+              <a:t>Survey goers expressed their age range not being represented, expanding age range to 60</a:t>
             </a:r>
           </a:p>
           <a:p>
@@ -7395,7 +6708,7 @@
             </a:endParaRPr>
           </a:p>
           <a:p>
-            <a:pPr lvl="0">
+            <a:pPr lvl="0" rtl="0">
               <a:spcBef>
                 <a:spcPts val="0"/>
               </a:spcBef>
@@ -7407,11 +6720,11 @@
                   <a:srgbClr val="38761D"/>
                 </a:solidFill>
               </a:rPr>
-              <a:t>Developers of major video game companies</a:t>
-            </a:r>
-          </a:p>
-          <a:p>
-            <a:pPr lvl="0">
+              <a:t> </a:t>
+            </a:r>
+          </a:p>
+          <a:p>
+            <a:pPr lvl="0" rtl="0">
               <a:spcBef>
                 <a:spcPts val="0"/>
               </a:spcBef>
@@ -7427,70 +6740,6 @@
             </a:endParaRPr>
           </a:p>
           <a:p>
-            <a:pPr lvl="0">
-              <a:spcBef>
-                <a:spcPts val="0"/>
-              </a:spcBef>
-              <a:buNone/>
-            </a:pPr>
-            <a:r>
-              <a:rPr lang="en" sz="1000">
-                <a:solidFill>
-                  <a:srgbClr val="0000FF"/>
-                </a:solidFill>
-              </a:rPr>
-              <a:t>Survey goers expressed their age range not being represented, expanding age range to 60</a:t>
-            </a:r>
-          </a:p>
-          <a:p>
-            <a:pPr lvl="0">
-              <a:spcBef>
-                <a:spcPts val="0"/>
-              </a:spcBef>
-              <a:buNone/>
-            </a:pPr>
-            <a:r>
-              <a:t/>
-            </a:r>
-            <a:endParaRPr sz="1000">
-              <a:solidFill>
-                <a:srgbClr val="38761D"/>
-              </a:solidFill>
-            </a:endParaRPr>
-          </a:p>
-          <a:p>
-            <a:pPr lvl="0" rtl="0">
-              <a:spcBef>
-                <a:spcPts val="0"/>
-              </a:spcBef>
-              <a:buNone/>
-            </a:pPr>
-            <a:r>
-              <a:rPr lang="en" sz="1000">
-                <a:solidFill>
-                  <a:srgbClr val="38761D"/>
-                </a:solidFill>
-              </a:rPr>
-              <a:t> </a:t>
-            </a:r>
-          </a:p>
-          <a:p>
-            <a:pPr lvl="0" rtl="0">
-              <a:spcBef>
-                <a:spcPts val="0"/>
-              </a:spcBef>
-              <a:buNone/>
-            </a:pPr>
-            <a:r>
-              <a:t/>
-            </a:r>
-            <a:endParaRPr sz="1000">
-              <a:solidFill>
-                <a:srgbClr val="38761D"/>
-              </a:solidFill>
-            </a:endParaRPr>
-          </a:p>
-          <a:p>
             <a:pPr lvl="0" rtl="0">
               <a:spcBef>
                 <a:spcPts val="0"/>
@@ -7510,7 +6759,7 @@
       </p:sp>
       <p:sp>
         <p:nvSpPr>
-          <p:cNvPr id="111" name="Shape 111"/>
+          <p:cNvPr id="100" name="Shape 100"/>
           <p:cNvSpPr txBox="1"/>
           <p:nvPr/>
         </p:nvSpPr>
@@ -7540,12 +6789,12 @@
               <a:buClr>
                 <a:schemeClr val="dk1"/>
               </a:buClr>
-              <a:buSzPct val="110000"/>
+              <a:buSzPct val="91666"/>
               <a:buFont typeface="Arial"/>
               <a:buNone/>
             </a:pPr>
             <a:r>
-              <a:rPr lang="en" sz="1000">
+              <a:rPr lang="en" sz="1200">
                 <a:solidFill>
                   <a:srgbClr val="38761D"/>
                 </a:solidFill>
@@ -7562,6 +6811,100 @@
                 <a:schemeClr val="dk1"/>
               </a:buClr>
               <a:buFont typeface="Arial"/>
+              <a:buNone/>
+            </a:pPr>
+            <a:r>
+              <a:t/>
+            </a:r>
+            <a:endParaRPr sz="1200">
+              <a:solidFill>
+                <a:srgbClr val="38761D"/>
+              </a:solidFill>
+            </a:endParaRPr>
+          </a:p>
+          <a:p>
+            <a:pPr lvl="0">
+              <a:spcBef>
+                <a:spcPts val="0"/>
+              </a:spcBef>
+              <a:buClr>
+                <a:schemeClr val="dk1"/>
+              </a:buClr>
+              <a:buSzPct val="91666"/>
+              <a:buFont typeface="Arial"/>
+              <a:buNone/>
+            </a:pPr>
+            <a:r>
+              <a:rPr lang="en" sz="1200">
+                <a:solidFill>
+                  <a:srgbClr val="38761D"/>
+                </a:solidFill>
+              </a:rPr>
+              <a:t>Low cost membership</a:t>
+            </a:r>
+          </a:p>
+          <a:p>
+            <a:pPr lvl="0">
+              <a:spcBef>
+                <a:spcPts val="0"/>
+              </a:spcBef>
+              <a:buClr>
+                <a:schemeClr val="dk1"/>
+              </a:buClr>
+              <a:buFont typeface="Arial"/>
+              <a:buNone/>
+            </a:pPr>
+            <a:r>
+              <a:t/>
+            </a:r>
+            <a:endParaRPr sz="1200">
+              <a:solidFill>
+                <a:srgbClr val="38761D"/>
+              </a:solidFill>
+            </a:endParaRPr>
+          </a:p>
+          <a:p>
+            <a:pPr lvl="0">
+              <a:spcBef>
+                <a:spcPts val="0"/>
+              </a:spcBef>
+              <a:buClr>
+                <a:schemeClr val="dk1"/>
+              </a:buClr>
+              <a:buSzPct val="91666"/>
+              <a:buFont typeface="Arial"/>
+              <a:buNone/>
+            </a:pPr>
+            <a:r>
+              <a:rPr lang="en" sz="1200">
+                <a:solidFill>
+                  <a:srgbClr val="38761D"/>
+                </a:solidFill>
+              </a:rPr>
+              <a:t>Highly-sought feature access</a:t>
+            </a:r>
+          </a:p>
+          <a:p>
+            <a:pPr lvl="0" rtl="0">
+              <a:spcBef>
+                <a:spcPts val="0"/>
+              </a:spcBef>
+              <a:buNone/>
+            </a:pPr>
+            <a:r>
+              <a:rPr lang="en" sz="1000">
+                <a:solidFill>
+                  <a:srgbClr val="38761D"/>
+                </a:solidFill>
+              </a:rPr>
+              <a:t> </a:t>
+            </a:r>
+          </a:p>
+          <a:p>
+            <a:pPr lvl="0" rtl="0">
+              <a:spcBef>
+                <a:spcPts val="0"/>
+              </a:spcBef>
               <a:buNone/>
             </a:pPr>
             <a:r>
@@ -7574,100 +6917,6 @@
             </a:endParaRPr>
           </a:p>
           <a:p>
-            <a:pPr lvl="0">
-              <a:spcBef>
-                <a:spcPts val="0"/>
-              </a:spcBef>
-              <a:buClr>
-                <a:schemeClr val="dk1"/>
-              </a:buClr>
-              <a:buSzPct val="110000"/>
-              <a:buFont typeface="Arial"/>
-              <a:buNone/>
-            </a:pPr>
-            <a:r>
-              <a:rPr lang="en" sz="1000">
-                <a:solidFill>
-                  <a:srgbClr val="38761D"/>
-                </a:solidFill>
-              </a:rPr>
-              <a:t>Low cost membership</a:t>
-            </a:r>
-          </a:p>
-          <a:p>
-            <a:pPr lvl="0">
-              <a:spcBef>
-                <a:spcPts val="0"/>
-              </a:spcBef>
-              <a:buClr>
-                <a:schemeClr val="dk1"/>
-              </a:buClr>
-              <a:buFont typeface="Arial"/>
-              <a:buNone/>
-            </a:pPr>
-            <a:r>
-              <a:t/>
-            </a:r>
-            <a:endParaRPr sz="1000">
-              <a:solidFill>
-                <a:srgbClr val="38761D"/>
-              </a:solidFill>
-            </a:endParaRPr>
-          </a:p>
-          <a:p>
-            <a:pPr lvl="0">
-              <a:spcBef>
-                <a:spcPts val="0"/>
-              </a:spcBef>
-              <a:buClr>
-                <a:schemeClr val="dk1"/>
-              </a:buClr>
-              <a:buSzPct val="110000"/>
-              <a:buFont typeface="Arial"/>
-              <a:buNone/>
-            </a:pPr>
-            <a:r>
-              <a:rPr lang="en" sz="1000">
-                <a:solidFill>
-                  <a:srgbClr val="38761D"/>
-                </a:solidFill>
-              </a:rPr>
-              <a:t>Highly-sought feature access</a:t>
-            </a:r>
-          </a:p>
-          <a:p>
-            <a:pPr lvl="0" rtl="0">
-              <a:spcBef>
-                <a:spcPts val="0"/>
-              </a:spcBef>
-              <a:buNone/>
-            </a:pPr>
-            <a:r>
-              <a:rPr lang="en" sz="1000">
-                <a:solidFill>
-                  <a:srgbClr val="38761D"/>
-                </a:solidFill>
-              </a:rPr>
-              <a:t> </a:t>
-            </a:r>
-          </a:p>
-          <a:p>
-            <a:pPr lvl="0" rtl="0">
-              <a:spcBef>
-                <a:spcPts val="0"/>
-              </a:spcBef>
-              <a:buNone/>
-            </a:pPr>
-            <a:r>
-              <a:t/>
-            </a:r>
-            <a:endParaRPr sz="1000">
-              <a:solidFill>
-                <a:srgbClr val="38761D"/>
-              </a:solidFill>
-            </a:endParaRPr>
-          </a:p>
-          <a:p>
             <a:pPr lvl="0" rtl="0">
               <a:spcBef>
                 <a:spcPts val="0"/>
@@ -7687,13 +6936,13 @@
       </p:sp>
       <p:sp>
         <p:nvSpPr>
-          <p:cNvPr id="112" name="Shape 112"/>
+          <p:cNvPr id="101" name="Shape 101"/>
           <p:cNvSpPr txBox="1"/>
           <p:nvPr/>
         </p:nvSpPr>
         <p:spPr>
           <a:xfrm>
-            <a:off x="5544575" y="2578225"/>
+            <a:off x="5532375" y="2593000"/>
             <a:ext cx="1729800" cy="1303200"/>
           </a:xfrm>
           <a:prstGeom prst="rect">
@@ -7717,7 +6966,7 @@
               <a:buNone/>
             </a:pPr>
             <a:r>
-              <a:rPr lang="en" sz="1000">
+              <a:rPr lang="en" sz="1800">
                 <a:solidFill>
                   <a:srgbClr val="38761D"/>
                 </a:solidFill>
@@ -7727,6 +6976,38 @@
           </a:p>
           <a:p>
             <a:pPr lvl="0">
+              <a:spcBef>
+                <a:spcPts val="0"/>
+              </a:spcBef>
+              <a:buNone/>
+            </a:pPr>
+            <a:r>
+              <a:t/>
+            </a:r>
+            <a:endParaRPr sz="1800">
+              <a:solidFill>
+                <a:srgbClr val="38761D"/>
+              </a:solidFill>
+            </a:endParaRPr>
+          </a:p>
+          <a:p>
+            <a:pPr lvl="0" rtl="0">
+              <a:spcBef>
+                <a:spcPts val="0"/>
+              </a:spcBef>
+              <a:buNone/>
+            </a:pPr>
+            <a:r>
+              <a:rPr lang="en" sz="1800">
+                <a:solidFill>
+                  <a:srgbClr val="38761D"/>
+                </a:solidFill>
+              </a:rPr>
+              <a:t>App</a:t>
+            </a:r>
+          </a:p>
+          <a:p>
+            <a:pPr lvl="0" rtl="0">
               <a:spcBef>
                 <a:spcPts val="0"/>
               </a:spcBef>
@@ -7749,22 +7030,6 @@
               <a:buNone/>
             </a:pPr>
             <a:r>
-              <a:rPr lang="en" sz="1000">
-                <a:solidFill>
-                  <a:srgbClr val="38761D"/>
-                </a:solidFill>
-              </a:rPr>
-              <a:t>Potential App</a:t>
-            </a:r>
-          </a:p>
-          <a:p>
-            <a:pPr lvl="0" rtl="0">
-              <a:spcBef>
-                <a:spcPts val="0"/>
-              </a:spcBef>
-              <a:buNone/>
-            </a:pPr>
-            <a:r>
               <a:t/>
             </a:r>
             <a:endParaRPr sz="1000">
@@ -7781,6 +7046,22 @@
               <a:buNone/>
             </a:pPr>
             <a:r>
+              <a:rPr lang="en" sz="1000">
+                <a:solidFill>
+                  <a:srgbClr val="38761D"/>
+                </a:solidFill>
+              </a:rPr>
+              <a:t> </a:t>
+            </a:r>
+          </a:p>
+          <a:p>
+            <a:pPr lvl="0" rtl="0">
+              <a:spcBef>
+                <a:spcPts val="0"/>
+              </a:spcBef>
+              <a:buNone/>
+            </a:pPr>
+            <a:r>
               <a:t/>
             </a:r>
             <a:endParaRPr sz="1000">
@@ -7797,38 +7078,6 @@
               <a:buNone/>
             </a:pPr>
             <a:r>
-              <a:rPr lang="en" sz="1000">
-                <a:solidFill>
-                  <a:srgbClr val="38761D"/>
-                </a:solidFill>
-              </a:rPr>
-              <a:t> </a:t>
-            </a:r>
-          </a:p>
-          <a:p>
-            <a:pPr lvl="0" rtl="0">
-              <a:spcBef>
-                <a:spcPts val="0"/>
-              </a:spcBef>
-              <a:buNone/>
-            </a:pPr>
-            <a:r>
-              <a:t/>
-            </a:r>
-            <a:endParaRPr sz="1000">
-              <a:solidFill>
-                <a:srgbClr val="38761D"/>
-              </a:solidFill>
-            </a:endParaRPr>
-          </a:p>
-          <a:p>
-            <a:pPr lvl="0" rtl="0">
-              <a:spcBef>
-                <a:spcPts val="0"/>
-              </a:spcBef>
-              <a:buNone/>
-            </a:pPr>
-            <a:r>
               <a:t/>
             </a:r>
             <a:endParaRPr sz="1000">
@@ -7841,7 +7090,7 @@
       </p:sp>
       <p:sp>
         <p:nvSpPr>
-          <p:cNvPr id="113" name="Shape 113"/>
+          <p:cNvPr id="102" name="Shape 102"/>
           <p:cNvSpPr txBox="1"/>
           <p:nvPr/>
         </p:nvSpPr>
@@ -7871,7 +7120,7 @@
               <a:buNone/>
             </a:pPr>
             <a:r>
-              <a:rPr lang="en" sz="1000">
+              <a:rPr lang="en" sz="1200">
                 <a:solidFill>
                   <a:srgbClr val="38761D"/>
                 </a:solidFill>
@@ -7887,7 +7136,7 @@
               <a:buNone/>
             </a:pPr>
             <a:r>
-              <a:rPr lang="en" sz="1000">
+              <a:rPr lang="en" sz="1200">
                 <a:solidFill>
                   <a:srgbClr val="38761D"/>
                 </a:solidFill>
@@ -7903,7 +7152,7 @@
               <a:buNone/>
             </a:pPr>
             <a:r>
-              <a:rPr lang="en" sz="1000">
+              <a:rPr lang="en" sz="1200">
                 <a:solidFill>
                   <a:srgbClr val="38761D"/>
                 </a:solidFill>
@@ -7915,7 +7164,7 @@
       </p:sp>
       <p:sp>
         <p:nvSpPr>
-          <p:cNvPr id="114" name="Shape 114"/>
+          <p:cNvPr id="103" name="Shape 103"/>
           <p:cNvSpPr txBox="1"/>
           <p:nvPr/>
         </p:nvSpPr>
@@ -7945,7 +7194,7 @@
               <a:buNone/>
             </a:pPr>
             <a:r>
-              <a:rPr lang="en" sz="1000">
+              <a:rPr lang="en" sz="1200">
                 <a:solidFill>
                   <a:srgbClr val="38761D"/>
                 </a:solidFill>
@@ -7961,7 +7210,7 @@
               <a:buNone/>
             </a:pPr>
             <a:r>
-              <a:rPr lang="en" sz="1000">
+              <a:rPr lang="en" sz="1200">
                 <a:solidFill>
                   <a:srgbClr val="38761D"/>
                 </a:solidFill>
@@ -7977,7 +7226,7 @@
               <a:buNone/>
             </a:pPr>
             <a:r>
-              <a:rPr lang="en" sz="1000">
+              <a:rPr lang="en" sz="1200">
                 <a:solidFill>
                   <a:srgbClr val="0000FF"/>
                 </a:solidFill>
@@ -7998,6 +7247,211 @@
             <a:endParaRPr sz="1000">
               <a:solidFill>
                 <a:srgbClr val="0000FF"/>
+              </a:solidFill>
+            </a:endParaRPr>
+          </a:p>
+        </p:txBody>
+      </p:sp>
+    </p:spTree>
+  </p:cSld>
+  <p:clrMapOvr>
+    <a:masterClrMapping/>
+  </p:clrMapOvr>
+</p:sld>
+</file>
+
+<file path=ppt/slides/slide7.xml><?xml version="1.0" encoding="utf-8"?>
+<p:sld xmlns:a="http://schemas.openxmlformats.org/drawingml/2006/main" xmlns:r="http://schemas.openxmlformats.org/officeDocument/2006/relationships" xmlns:mc="http://schemas.openxmlformats.org/markup-compatibility/2006" xmlns:mv="urn:schemas-microsoft-com:mac:vml" xmlns:p="http://schemas.openxmlformats.org/presentationml/2006/main" xmlns:c="http://schemas.openxmlformats.org/drawingml/2006/chart" xmlns:dgm="http://schemas.openxmlformats.org/drawingml/2006/diagram" xmlns:o="urn:schemas-microsoft-com:office:office" xmlns:v="urn:schemas-microsoft-com:vml" xmlns:pvml="urn:schemas-microsoft-com:office:powerpoint" xmlns:com="http://schemas.openxmlformats.org/drawingml/2006/compatibility" xmlns:p14="http://schemas.microsoft.com/office/powerpoint/2010/main">
+  <p:cSld>
+    <p:bg>
+      <p:bgPr>
+        <a:solidFill>
+          <a:srgbClr val="0B5394"/>
+        </a:solidFill>
+      </p:bgPr>
+    </p:bg>
+    <p:spTree>
+      <p:nvGrpSpPr>
+        <p:cNvPr id="107" name="Shape 107"/>
+        <p:cNvGrpSpPr/>
+        <p:nvPr/>
+      </p:nvGrpSpPr>
+      <p:grpSpPr>
+        <a:xfrm>
+          <a:off x="0" y="0"/>
+          <a:ext cx="0" cy="0"/>
+          <a:chOff x="0" y="0"/>
+          <a:chExt cx="0" cy="0"/>
+        </a:xfrm>
+      </p:grpSpPr>
+      <p:sp>
+        <p:nvSpPr>
+          <p:cNvPr id="108" name="Shape 108"/>
+          <p:cNvSpPr txBox="1"/>
+          <p:nvPr>
+            <p:ph type="title"/>
+          </p:nvPr>
+        </p:nvSpPr>
+        <p:spPr>
+          <a:xfrm>
+            <a:off x="457200" y="205977"/>
+            <a:ext cx="8229600" cy="1141500"/>
+          </a:xfrm>
+          <a:prstGeom prst="rect">
+            <a:avLst/>
+          </a:prstGeom>
+        </p:spPr>
+        <p:txBody>
+          <a:bodyPr anchorCtr="0" anchor="b" bIns="91425" lIns="91425" rIns="91425" tIns="91425">
+            <a:noAutofit/>
+          </a:bodyPr>
+          <a:lstStyle/>
+          <a:p>
+            <a:pPr lvl="0">
+              <a:spcBef>
+                <a:spcPts val="0"/>
+              </a:spcBef>
+              <a:buNone/>
+            </a:pPr>
+            <a:r>
+              <a:rPr lang="en"/>
+              <a:t>Revenue Model</a:t>
+            </a:r>
+          </a:p>
+        </p:txBody>
+      </p:sp>
+      <p:sp>
+        <p:nvSpPr>
+          <p:cNvPr id="109" name="Shape 109"/>
+          <p:cNvSpPr txBox="1"/>
+          <p:nvPr>
+            <p:ph idx="1" type="body"/>
+          </p:nvPr>
+        </p:nvSpPr>
+        <p:spPr>
+          <a:xfrm>
+            <a:off x="457200" y="1460499"/>
+            <a:ext cx="8229600" cy="3465300"/>
+          </a:xfrm>
+          <a:prstGeom prst="rect">
+            <a:avLst/>
+          </a:prstGeom>
+        </p:spPr>
+        <p:txBody>
+          <a:bodyPr anchorCtr="0" anchor="t" bIns="91425" lIns="91425" rIns="91425" tIns="91425">
+            <a:noAutofit/>
+          </a:bodyPr>
+          <a:lstStyle/>
+          <a:p>
+            <a:pPr indent="-419100" lvl="0" marL="457200" rtl="0">
+              <a:spcBef>
+                <a:spcPts val="0"/>
+              </a:spcBef>
+              <a:buClr>
+                <a:schemeClr val="lt1"/>
+              </a:buClr>
+              <a:buSzPct val="100000"/>
+              <a:buChar char="●"/>
+            </a:pPr>
+            <a:r>
+              <a:rPr lang="en">
+                <a:solidFill>
+                  <a:schemeClr val="lt1"/>
+                </a:solidFill>
+              </a:rPr>
+              <a:t>Subscription service for additional features</a:t>
+            </a:r>
+          </a:p>
+          <a:p>
+            <a:pPr lvl="0" rtl="0">
+              <a:spcBef>
+                <a:spcPts val="0"/>
+              </a:spcBef>
+              <a:buNone/>
+            </a:pPr>
+            <a:r>
+              <a:t/>
+            </a:r>
+            <a:endParaRPr>
+              <a:solidFill>
+                <a:schemeClr val="lt1"/>
+              </a:solidFill>
+            </a:endParaRPr>
+          </a:p>
+          <a:p>
+            <a:pPr indent="-419100" lvl="0" marL="457200">
+              <a:spcBef>
+                <a:spcPts val="0"/>
+              </a:spcBef>
+              <a:buClr>
+                <a:schemeClr val="lt1"/>
+              </a:buClr>
+              <a:buSzPct val="100000"/>
+              <a:buChar char="●"/>
+            </a:pPr>
+            <a:r>
+              <a:rPr lang="en">
+                <a:solidFill>
+                  <a:schemeClr val="lt1"/>
+                </a:solidFill>
+              </a:rPr>
+              <a:t>Sale of aggregate data to video game developers</a:t>
+            </a:r>
+          </a:p>
+          <a:p>
+            <a:pPr lvl="0">
+              <a:spcBef>
+                <a:spcPts val="0"/>
+              </a:spcBef>
+              <a:buClr>
+                <a:schemeClr val="dk1"/>
+              </a:buClr>
+              <a:buSzPct val="36666"/>
+              <a:buFont typeface="Arial"/>
+              <a:buNone/>
+            </a:pPr>
+            <a:r>
+              <a:t/>
+            </a:r>
+            <a:endParaRPr>
+              <a:solidFill>
+                <a:schemeClr val="lt1"/>
+              </a:solidFill>
+            </a:endParaRPr>
+          </a:p>
+          <a:p>
+            <a:pPr indent="-419100" lvl="0" marL="457200">
+              <a:spcBef>
+                <a:spcPts val="0"/>
+              </a:spcBef>
+              <a:buClr>
+                <a:schemeClr val="lt1"/>
+              </a:buClr>
+              <a:buSzPct val="100000"/>
+              <a:buChar char="●"/>
+            </a:pPr>
+            <a:r>
+              <a:rPr lang="en">
+                <a:solidFill>
+                  <a:schemeClr val="lt1"/>
+                </a:solidFill>
+              </a:rPr>
+              <a:t>Ad space for developers to advertise games</a:t>
+            </a:r>
+          </a:p>
+          <a:p>
+            <a:pPr lvl="0">
+              <a:spcBef>
+                <a:spcPts val="0"/>
+              </a:spcBef>
+              <a:buNone/>
+            </a:pPr>
+            <a:r>
+              <a:t/>
+            </a:r>
+            <a:endParaRPr>
+              <a:solidFill>
+                <a:schemeClr val="lt1"/>
               </a:solidFill>
             </a:endParaRPr>
           </a:p>
@@ -8023,7 +7477,7 @@
     </p:bg>
     <p:spTree>
       <p:nvGrpSpPr>
-        <p:cNvPr id="118" name="Shape 118"/>
+        <p:cNvPr id="113" name="Shape 113"/>
         <p:cNvGrpSpPr/>
         <p:nvPr/>
       </p:nvGrpSpPr>
@@ -8037,201 +7491,7 @@
       </p:grpSpPr>
       <p:sp>
         <p:nvSpPr>
-          <p:cNvPr id="119" name="Shape 119"/>
-          <p:cNvSpPr txBox="1"/>
-          <p:nvPr>
-            <p:ph type="title"/>
-          </p:nvPr>
-        </p:nvSpPr>
-        <p:spPr>
-          <a:xfrm>
-            <a:off x="457200" y="205977"/>
-            <a:ext cx="8229600" cy="1141500"/>
-          </a:xfrm>
-          <a:prstGeom prst="rect">
-            <a:avLst/>
-          </a:prstGeom>
-        </p:spPr>
-        <p:txBody>
-          <a:bodyPr anchorCtr="0" anchor="b" bIns="91425" lIns="91425" rIns="91425" tIns="91425">
-            <a:noAutofit/>
-          </a:bodyPr>
-          <a:lstStyle/>
-          <a:p>
-            <a:pPr lvl="0">
-              <a:spcBef>
-                <a:spcPts val="0"/>
-              </a:spcBef>
-              <a:buNone/>
-            </a:pPr>
-            <a:r>
-              <a:rPr lang="en"/>
-              <a:t>Revenue Model</a:t>
-            </a:r>
-          </a:p>
-        </p:txBody>
-      </p:sp>
-      <p:sp>
-        <p:nvSpPr>
-          <p:cNvPr id="120" name="Shape 120"/>
-          <p:cNvSpPr txBox="1"/>
-          <p:nvPr>
-            <p:ph idx="1" type="body"/>
-          </p:nvPr>
-        </p:nvSpPr>
-        <p:spPr>
-          <a:xfrm>
-            <a:off x="457200" y="1460499"/>
-            <a:ext cx="8229600" cy="3465300"/>
-          </a:xfrm>
-          <a:prstGeom prst="rect">
-            <a:avLst/>
-          </a:prstGeom>
-        </p:spPr>
-        <p:txBody>
-          <a:bodyPr anchorCtr="0" anchor="t" bIns="91425" lIns="91425" rIns="91425" tIns="91425">
-            <a:noAutofit/>
-          </a:bodyPr>
-          <a:lstStyle/>
-          <a:p>
-            <a:pPr indent="-419100" lvl="0" marL="457200">
-              <a:spcBef>
-                <a:spcPts val="0"/>
-              </a:spcBef>
-              <a:buClr>
-                <a:schemeClr val="lt1"/>
-              </a:buClr>
-              <a:buSzPct val="100000"/>
-              <a:buChar char="●"/>
-            </a:pPr>
-            <a:r>
-              <a:rPr lang="en">
-                <a:solidFill>
-                  <a:schemeClr val="lt1"/>
-                </a:solidFill>
-              </a:rPr>
-              <a:t>Sale of aggregate data to video game developers</a:t>
-            </a:r>
-          </a:p>
-          <a:p>
-            <a:pPr lvl="0">
-              <a:spcBef>
-                <a:spcPts val="0"/>
-              </a:spcBef>
-              <a:buClr>
-                <a:schemeClr val="dk1"/>
-              </a:buClr>
-              <a:buSzPct val="36666"/>
-              <a:buFont typeface="Arial"/>
-              <a:buNone/>
-            </a:pPr>
-            <a:r>
-              <a:t/>
-            </a:r>
-            <a:endParaRPr>
-              <a:solidFill>
-                <a:schemeClr val="lt1"/>
-              </a:solidFill>
-            </a:endParaRPr>
-          </a:p>
-          <a:p>
-            <a:pPr indent="-419100" lvl="0" marL="457200">
-              <a:spcBef>
-                <a:spcPts val="0"/>
-              </a:spcBef>
-              <a:buClr>
-                <a:schemeClr val="lt1"/>
-              </a:buClr>
-              <a:buSzPct val="100000"/>
-              <a:buChar char="●"/>
-            </a:pPr>
-            <a:r>
-              <a:rPr lang="en">
-                <a:solidFill>
-                  <a:schemeClr val="lt1"/>
-                </a:solidFill>
-              </a:rPr>
-              <a:t>Ad space for developers to advertise games</a:t>
-            </a:r>
-          </a:p>
-          <a:p>
-            <a:pPr lvl="0">
-              <a:spcBef>
-                <a:spcPts val="0"/>
-              </a:spcBef>
-              <a:buClr>
-                <a:schemeClr val="dk1"/>
-              </a:buClr>
-              <a:buSzPct val="36666"/>
-              <a:buFont typeface="Arial"/>
-              <a:buNone/>
-            </a:pPr>
-            <a:r>
-              <a:t/>
-            </a:r>
-            <a:endParaRPr>
-              <a:solidFill>
-                <a:schemeClr val="lt1"/>
-              </a:solidFill>
-            </a:endParaRPr>
-          </a:p>
-          <a:p>
-            <a:pPr indent="-419100" lvl="0" marL="457200">
-              <a:spcBef>
-                <a:spcPts val="0"/>
-              </a:spcBef>
-              <a:buClr>
-                <a:schemeClr val="lt1"/>
-              </a:buClr>
-              <a:buSzPct val="100000"/>
-              <a:buChar char="●"/>
-            </a:pPr>
-            <a:r>
-              <a:rPr lang="en">
-                <a:solidFill>
-                  <a:schemeClr val="lt1"/>
-                </a:solidFill>
-              </a:rPr>
-              <a:t>Subscription service for additional features</a:t>
-            </a:r>
-          </a:p>
-        </p:txBody>
-      </p:sp>
-    </p:spTree>
-  </p:cSld>
-  <p:clrMapOvr>
-    <a:masterClrMapping/>
-  </p:clrMapOvr>
-</p:sld>
-</file>
-
-<file path=ppt/slides/slide9.xml><?xml version="1.0" encoding="utf-8"?>
-<p:sld xmlns:a="http://schemas.openxmlformats.org/drawingml/2006/main" xmlns:r="http://schemas.openxmlformats.org/officeDocument/2006/relationships" xmlns:mc="http://schemas.openxmlformats.org/markup-compatibility/2006" xmlns:mv="urn:schemas-microsoft-com:mac:vml" xmlns:p="http://schemas.openxmlformats.org/presentationml/2006/main" xmlns:c="http://schemas.openxmlformats.org/drawingml/2006/chart" xmlns:dgm="http://schemas.openxmlformats.org/drawingml/2006/diagram" xmlns:o="urn:schemas-microsoft-com:office:office" xmlns:v="urn:schemas-microsoft-com:vml" xmlns:pvml="urn:schemas-microsoft-com:office:powerpoint" xmlns:com="http://schemas.openxmlformats.org/drawingml/2006/compatibility" xmlns:p14="http://schemas.microsoft.com/office/powerpoint/2010/main">
-  <p:cSld>
-    <p:bg>
-      <p:bgPr>
-        <a:solidFill>
-          <a:srgbClr val="0B5394"/>
-        </a:solidFill>
-      </p:bgPr>
-    </p:bg>
-    <p:spTree>
-      <p:nvGrpSpPr>
-        <p:cNvPr id="124" name="Shape 124"/>
-        <p:cNvGrpSpPr/>
-        <p:nvPr/>
-      </p:nvGrpSpPr>
-      <p:grpSpPr>
-        <a:xfrm>
-          <a:off x="0" y="0"/>
-          <a:ext cx="0" cy="0"/>
-          <a:chOff x="0" y="0"/>
-          <a:chExt cx="0" cy="0"/>
-        </a:xfrm>
-      </p:grpSpPr>
-      <p:sp>
-        <p:nvSpPr>
-          <p:cNvPr id="125" name="Shape 125"/>
+          <p:cNvPr id="114" name="Shape 114"/>
           <p:cNvSpPr txBox="1"/>
           <p:nvPr>
             <p:ph idx="1" type="body"/>
@@ -8270,7 +7530,7 @@
       </p:sp>
       <p:graphicFrame>
         <p:nvGraphicFramePr>
-          <p:cNvPr id="126" name="Shape 126"/>
+          <p:cNvPr id="115" name="Shape 115"/>
           <p:cNvGraphicFramePr/>
           <p:nvPr/>
         </p:nvGraphicFramePr>
@@ -8283,14 +7543,14 @@
             <a:tbl>
               <a:tblPr>
                 <a:noFill/>
-                <a:tableStyleId>{63239E31-E36F-4FD5-AA95-4BA099A1EE31}</a:tableStyleId>
+                <a:tableStyleId>{C8A79720-995D-4714-B0E0-56A44474CF20}</a:tableStyleId>
               </a:tblPr>
               <a:tblGrid>
                 <a:gridCol w="1500700"/>
                 <a:gridCol w="3017400"/>
                 <a:gridCol w="3706175"/>
               </a:tblGrid>
-              <a:tr h="565050">
+              <a:tr h="571675">
                 <a:tc>
                   <a:txBody>
                     <a:bodyPr>
@@ -8475,7 +7735,7 @@
                   </a:tcPr>
                 </a:tc>
               </a:tr>
-              <a:tr h="1199925">
+              <a:tr h="1678575">
                 <a:tc>
                   <a:txBody>
                     <a:bodyPr>
@@ -8556,7 +7816,7 @@
                       </a:pPr>
                       <a:r>
                         <a:rPr lang="en" sz="1800"/>
-                        <a:t>Website will be fully developed, and ready to go live</a:t>
+                        <a:t>Final version of website</a:t>
                       </a:r>
                     </a:p>
                   </a:txBody>
@@ -8617,7 +7877,7 @@
                       </a:pPr>
                       <a:r>
                         <a:rPr lang="en" sz="1800"/>
-                        <a:t>Hire developers expert in forum building</a:t>
+                        <a:t>Partner with/hire developers expert in forum building; Get customer input on site features; Set up agreements with video game developers</a:t>
                       </a:r>
                     </a:p>
                   </a:txBody>
@@ -8664,7 +7924,7 @@
                   </a:tcPr>
                 </a:tc>
               </a:tr>
-              <a:tr h="1199925">
+              <a:tr h="1214025">
                 <a:tc>
                   <a:txBody>
                     <a:bodyPr>
@@ -8745,7 +8005,7 @@
                       </a:pPr>
                       <a:r>
                         <a:rPr lang="en" sz="1800"/>
-                        <a:t>1,000 daily users</a:t>
+                        <a:t>3,000 monthly users</a:t>
                       </a:r>
                     </a:p>
                   </a:txBody>
@@ -8811,7 +8071,7 @@
                       </a:pPr>
                       <a:r>
                         <a:rPr lang="en" sz="1800"/>
-                        <a:t>Make connections with Twitch and GameStop to expand user base</a:t>
+                        <a:t>Partnerships with Twitch and GameStop to expand user base</a:t>
                       </a:r>
                     </a:p>
                   </a:txBody>
@@ -8858,207 +8118,13 @@
                   </a:tcPr>
                 </a:tc>
               </a:tr>
-              <a:tr h="498925">
-                <a:tc>
-                  <a:txBody>
-                    <a:bodyPr>
-                      <a:noAutofit/>
-                    </a:bodyPr>
-                    <a:lstStyle/>
-                    <a:p>
-                      <a:pPr lvl="0" rtl="0" algn="l">
-                        <a:spcBef>
-                          <a:spcPts val="0"/>
-                        </a:spcBef>
-                        <a:buNone/>
-                      </a:pPr>
-                      <a:r>
-                        <a:t/>
-                      </a:r>
-                      <a:endParaRPr i="1" sz="1800">
-                        <a:solidFill>
-                          <a:srgbClr val="1155CC"/>
-                        </a:solidFill>
-                      </a:endParaRPr>
-                    </a:p>
-                  </a:txBody>
-                  <a:tcPr marT="91425" marB="91425" marR="91425" marL="91425" anchor="ctr">
-                    <a:lnL cap="flat" cmpd="sng" w="19050">
-                      <a:solidFill>
-                        <a:srgbClr val="000000"/>
-                      </a:solidFill>
-                      <a:prstDash val="solid"/>
-                      <a:round/>
-                      <a:headEnd len="med" w="med" type="none"/>
-                      <a:tailEnd len="med" w="med" type="none"/>
-                    </a:lnL>
-                    <a:lnR cap="flat" cmpd="sng" w="19050">
-                      <a:solidFill>
-                        <a:srgbClr val="000000"/>
-                      </a:solidFill>
-                      <a:prstDash val="solid"/>
-                      <a:round/>
-                      <a:headEnd len="med" w="med" type="none"/>
-                      <a:tailEnd len="med" w="med" type="none"/>
-                    </a:lnR>
-                    <a:lnT cap="flat" cmpd="sng" w="19050">
-                      <a:solidFill>
-                        <a:srgbClr val="000000"/>
-                      </a:solidFill>
-                      <a:prstDash val="solid"/>
-                      <a:round/>
-                      <a:headEnd len="med" w="med" type="none"/>
-                      <a:tailEnd len="med" w="med" type="none"/>
-                    </a:lnT>
-                    <a:lnB cap="flat" cmpd="sng" w="19050">
-                      <a:solidFill>
-                        <a:srgbClr val="000000"/>
-                      </a:solidFill>
-                      <a:prstDash val="solid"/>
-                      <a:round/>
-                      <a:headEnd len="med" w="med" type="none"/>
-                      <a:tailEnd len="med" w="med" type="none"/>
-                    </a:lnB>
-                    <a:solidFill>
-                      <a:srgbClr val="CFE2F3"/>
-                    </a:solidFill>
-                  </a:tcPr>
-                </a:tc>
-                <a:tc>
-                  <a:txBody>
-                    <a:bodyPr>
-                      <a:noAutofit/>
-                    </a:bodyPr>
-                    <a:lstStyle/>
-                    <a:p>
-                      <a:pPr lvl="0" rtl="0" algn="ctr">
-                        <a:spcBef>
-                          <a:spcPts val="0"/>
-                        </a:spcBef>
-                        <a:buNone/>
-                      </a:pPr>
-                      <a:r>
-                        <a:t/>
-                      </a:r>
-                      <a:endParaRPr b="1" sz="1800"/>
-                    </a:p>
-                  </a:txBody>
-                  <a:tcPr marT="91425" marB="91425" marR="91425" marL="91425" anchor="ctr">
-                    <a:lnL cap="flat" cmpd="sng" w="19050">
-                      <a:solidFill>
-                        <a:srgbClr val="000000"/>
-                      </a:solidFill>
-                      <a:prstDash val="solid"/>
-                      <a:round/>
-                      <a:headEnd len="med" w="med" type="none"/>
-                      <a:tailEnd len="med" w="med" type="none"/>
-                    </a:lnL>
-                    <a:lnR cap="flat" cmpd="sng" w="19050">
-                      <a:solidFill>
-                        <a:srgbClr val="000000"/>
-                      </a:solidFill>
-                      <a:prstDash val="solid"/>
-                      <a:round/>
-                      <a:headEnd len="med" w="med" type="none"/>
-                      <a:tailEnd len="med" w="med" type="none"/>
-                    </a:lnR>
-                    <a:lnT cap="flat" cmpd="sng" w="19050">
-                      <a:solidFill>
-                        <a:srgbClr val="000000"/>
-                      </a:solidFill>
-                      <a:prstDash val="solid"/>
-                      <a:round/>
-                      <a:headEnd len="med" w="med" type="none"/>
-                      <a:tailEnd len="med" w="med" type="none"/>
-                    </a:lnT>
-                    <a:lnB cap="flat" cmpd="sng" w="19050">
-                      <a:solidFill>
-                        <a:srgbClr val="000000"/>
-                      </a:solidFill>
-                      <a:prstDash val="solid"/>
-                      <a:round/>
-                      <a:headEnd len="med" w="med" type="none"/>
-                      <a:tailEnd len="med" w="med" type="none"/>
-                    </a:lnB>
-                    <a:solidFill>
-                      <a:srgbClr val="CFE2F3"/>
-                    </a:solidFill>
-                  </a:tcPr>
-                </a:tc>
-                <a:tc>
-                  <a:txBody>
-                    <a:bodyPr>
-                      <a:noAutofit/>
-                    </a:bodyPr>
-                    <a:lstStyle/>
-                    <a:p>
-                      <a:pPr lvl="0" rtl="0" algn="ctr">
-                        <a:spcBef>
-                          <a:spcPts val="0"/>
-                        </a:spcBef>
-                        <a:buClr>
-                          <a:schemeClr val="dk1"/>
-                        </a:buClr>
-                        <a:buSzPct val="61111"/>
-                        <a:buFont typeface="Arial"/>
-                        <a:buNone/>
-                      </a:pPr>
-                      <a:r>
-                        <a:t/>
-                      </a:r>
-                      <a:endParaRPr b="1" sz="1800"/>
-                    </a:p>
-                  </a:txBody>
-                  <a:tcPr marT="91425" marB="91425" marR="91425" marL="91425" anchor="ctr">
-                    <a:lnL cap="flat" cmpd="sng" w="19050">
-                      <a:solidFill>
-                        <a:srgbClr val="000000"/>
-                      </a:solidFill>
-                      <a:prstDash val="solid"/>
-                      <a:round/>
-                      <a:headEnd len="med" w="med" type="none"/>
-                      <a:tailEnd len="med" w="med" type="none"/>
-                    </a:lnL>
-                    <a:lnR cap="flat" cmpd="sng" w="19050">
-                      <a:solidFill>
-                        <a:srgbClr val="000000"/>
-                      </a:solidFill>
-                      <a:prstDash val="solid"/>
-                      <a:round/>
-                      <a:headEnd len="med" w="med" type="none"/>
-                      <a:tailEnd len="med" w="med" type="none"/>
-                    </a:lnR>
-                    <a:lnT cap="flat" cmpd="sng" w="19050">
-                      <a:solidFill>
-                        <a:srgbClr val="000000"/>
-                      </a:solidFill>
-                      <a:prstDash val="solid"/>
-                      <a:round/>
-                      <a:headEnd len="med" w="med" type="none"/>
-                      <a:tailEnd len="med" w="med" type="none"/>
-                    </a:lnT>
-                    <a:lnB cap="flat" cmpd="sng" w="19050">
-                      <a:solidFill>
-                        <a:srgbClr val="000000"/>
-                      </a:solidFill>
-                      <a:prstDash val="solid"/>
-                      <a:round/>
-                      <a:headEnd len="med" w="med" type="none"/>
-                      <a:tailEnd len="med" w="med" type="none"/>
-                    </a:lnB>
-                    <a:solidFill>
-                      <a:srgbClr val="CFE2F3"/>
-                    </a:solidFill>
-                  </a:tcPr>
-                </a:tc>
-              </a:tr>
             </a:tbl>
           </a:graphicData>
         </a:graphic>
       </p:graphicFrame>
       <p:sp>
         <p:nvSpPr>
-          <p:cNvPr id="127" name="Shape 127"/>
+          <p:cNvPr id="116" name="Shape 116"/>
           <p:cNvSpPr txBox="1"/>
           <p:nvPr>
             <p:ph type="title"/>
@@ -9087,7 +8153,7 @@
             </a:pPr>
             <a:r>
               <a:rPr lang="en"/>
-              <a:t>Go-To-Market Strategy</a:t>
+              <a:t>Strategy &amp; Milestones</a:t>
             </a:r>
           </a:p>
         </p:txBody>
@@ -9380,6 +8446,285 @@
 </file>
 
 <file path=ppt/theme/theme2.xml><?xml version="1.0" encoding="utf-8"?>
+<a:theme xmlns:a="http://schemas.openxmlformats.org/drawingml/2006/main" xmlns:r="http://schemas.openxmlformats.org/officeDocument/2006/relationships" name="modern">
+  <a:themeElements>
+    <a:clrScheme name="Custom 348">
+      <a:dk1>
+        <a:srgbClr val="000000"/>
+      </a:dk1>
+      <a:lt1>
+        <a:srgbClr val="FFFFFF"/>
+      </a:lt1>
+      <a:dk2>
+        <a:srgbClr val="191919"/>
+      </a:dk2>
+      <a:lt2>
+        <a:srgbClr val="CCCCCC"/>
+      </a:lt2>
+      <a:accent1>
+        <a:srgbClr val="7E5554"/>
+      </a:accent1>
+      <a:accent2>
+        <a:srgbClr val="910A10"/>
+      </a:accent2>
+      <a:accent3>
+        <a:srgbClr val="84294D"/>
+      </a:accent3>
+      <a:accent4>
+        <a:srgbClr val="DA823B"/>
+      </a:accent4>
+      <a:accent5>
+        <a:srgbClr val="625D3C"/>
+      </a:accent5>
+      <a:accent6>
+        <a:srgbClr val="00384A"/>
+      </a:accent6>
+      <a:hlink>
+        <a:srgbClr val="227A78"/>
+      </a:hlink>
+      <a:folHlink>
+        <a:srgbClr val="394749"/>
+      </a:folHlink>
+    </a:clrScheme>
+    <a:fontScheme name="Office">
+      <a:majorFont>
+        <a:latin typeface="Arial"/>
+        <a:ea typeface=""/>
+        <a:cs typeface=""/>
+        <a:font script="Jpan" typeface="ＭＳ Ｐゴシック"/>
+        <a:font script="Hang" typeface="맑은 고딕"/>
+        <a:font script="Hans" typeface="宋体"/>
+        <a:font script="Hant" typeface="新細明體"/>
+        <a:font script="Arab" typeface="Times New Roman"/>
+        <a:font script="Hebr" typeface="Times New Roman"/>
+        <a:font script="Thai" typeface="Angsana New"/>
+        <a:font script="Ethi" typeface="Nyala"/>
+        <a:font script="Beng" typeface="Vrinda"/>
+        <a:font script="Gujr" typeface="Shruti"/>
+        <a:font script="Khmr" typeface="MoolBoran"/>
+        <a:font script="Knda" typeface="Tunga"/>
+        <a:font script="Guru" typeface="Raavi"/>
+        <a:font script="Cans" typeface="Euphemia"/>
+        <a:font script="Cher" typeface="Plantagenet Cherokee"/>
+        <a:font script="Yiii" typeface="Microsoft Yi Baiti"/>
+        <a:font script="Tibt" typeface="Microsoft Himalaya"/>
+        <a:font script="Thaa" typeface="MV Boli"/>
+        <a:font script="Deva" typeface="Mangal"/>
+        <a:font script="Telu" typeface="Gautami"/>
+        <a:font script="Taml" typeface="Latha"/>
+        <a:font script="Syrc" typeface="Estrangelo Edessa"/>
+        <a:font script="Orya" typeface="Kalinga"/>
+        <a:font script="Mlym" typeface="Kartika"/>
+        <a:font script="Laoo" typeface="DokChampa"/>
+        <a:font script="Sinh" typeface="Iskoola Pota"/>
+        <a:font script="Mong" typeface="Mongolian Baiti"/>
+        <a:font script="Viet" typeface="Times New Roman"/>
+        <a:font script="Uigh" typeface="Microsoft Uighur"/>
+        <a:font script="Geor" typeface="Sylfaen"/>
+      </a:majorFont>
+      <a:minorFont>
+        <a:latin typeface="Arial"/>
+        <a:ea typeface=""/>
+        <a:cs typeface=""/>
+        <a:font script="Jpan" typeface="ＭＳ Ｐゴシック"/>
+        <a:font script="Hang" typeface="맑은 고딕"/>
+        <a:font script="Hans" typeface="宋体"/>
+        <a:font script="Hant" typeface="新細明體"/>
+        <a:font script="Arab" typeface="Arial"/>
+        <a:font script="Hebr" typeface="Arial"/>
+        <a:font script="Thai" typeface="Cordia New"/>
+        <a:font script="Ethi" typeface="Nyala"/>
+        <a:font script="Beng" typeface="Vrinda"/>
+        <a:font script="Gujr" typeface="Shruti"/>
+        <a:font script="Khmr" typeface="DaunPenh"/>
+        <a:font script="Knda" typeface="Tunga"/>
+        <a:font script="Guru" typeface="Raavi"/>
+        <a:font script="Cans" typeface="Euphemia"/>
+        <a:font script="Cher" typeface="Plantagenet Cherokee"/>
+        <a:font script="Yiii" typeface="Microsoft Yi Baiti"/>
+        <a:font script="Tibt" typeface="Microsoft Himalaya"/>
+        <a:font script="Thaa" typeface="MV Boli"/>
+        <a:font script="Deva" typeface="Mangal"/>
+        <a:font script="Telu" typeface="Gautami"/>
+        <a:font script="Taml" typeface="Latha"/>
+        <a:font script="Syrc" typeface="Estrangelo Edessa"/>
+        <a:font script="Orya" typeface="Kalinga"/>
+        <a:font script="Mlym" typeface="Kartika"/>
+        <a:font script="Laoo" typeface="DokChampa"/>
+        <a:font script="Sinh" typeface="Iskoola Pota"/>
+        <a:font script="Mong" typeface="Mongolian Baiti"/>
+        <a:font script="Viet" typeface="Arial"/>
+        <a:font script="Uigh" typeface="Microsoft Uighur"/>
+        <a:font script="Geor" typeface="Sylfaen"/>
+      </a:minorFont>
+    </a:fontScheme>
+    <a:fmtScheme name="Office">
+      <a:fillStyleLst>
+        <a:solidFill>
+          <a:schemeClr val="phClr"/>
+        </a:solidFill>
+        <a:gradFill rotWithShape="1">
+          <a:gsLst>
+            <a:gs pos="0">
+              <a:schemeClr val="phClr">
+                <a:tint val="50000"/>
+                <a:satMod val="300000"/>
+              </a:schemeClr>
+            </a:gs>
+            <a:gs pos="35000">
+              <a:schemeClr val="phClr">
+                <a:tint val="37000"/>
+                <a:satMod val="300000"/>
+              </a:schemeClr>
+            </a:gs>
+            <a:gs pos="100000">
+              <a:schemeClr val="phClr">
+                <a:tint val="15000"/>
+                <a:satMod val="350000"/>
+              </a:schemeClr>
+            </a:gs>
+          </a:gsLst>
+          <a:lin ang="16200000" scaled="1"/>
+        </a:gradFill>
+        <a:gradFill rotWithShape="1">
+          <a:gsLst>
+            <a:gs pos="0">
+              <a:schemeClr val="phClr">
+                <a:tint val="100000"/>
+                <a:shade val="100000"/>
+                <a:satMod val="130000"/>
+              </a:schemeClr>
+            </a:gs>
+            <a:gs pos="100000">
+              <a:schemeClr val="phClr">
+                <a:tint val="50000"/>
+                <a:shade val="100000"/>
+                <a:satMod val="350000"/>
+              </a:schemeClr>
+            </a:gs>
+          </a:gsLst>
+          <a:lin ang="16200000" scaled="0"/>
+        </a:gradFill>
+      </a:fillStyleLst>
+      <a:lnStyleLst>
+        <a:ln w="9525" cap="flat" cmpd="sng" algn="ctr">
+          <a:solidFill>
+            <a:schemeClr val="phClr">
+              <a:shade val="95000"/>
+              <a:satMod val="105000"/>
+            </a:schemeClr>
+          </a:solidFill>
+          <a:prstDash val="solid"/>
+        </a:ln>
+        <a:ln w="25400" cap="flat" cmpd="sng" algn="ctr">
+          <a:solidFill>
+            <a:schemeClr val="phClr"/>
+          </a:solidFill>
+          <a:prstDash val="solid"/>
+        </a:ln>
+        <a:ln w="38100" cap="flat" cmpd="sng" algn="ctr">
+          <a:solidFill>
+            <a:schemeClr val="phClr"/>
+          </a:solidFill>
+          <a:prstDash val="solid"/>
+        </a:ln>
+      </a:lnStyleLst>
+      <a:effectStyleLst>
+        <a:effectStyle>
+          <a:effectLst>
+            <a:outerShdw blurRad="40000" dist="20000" dir="5400000" rotWithShape="0">
+              <a:srgbClr val="000000">
+                <a:alpha val="38000"/>
+              </a:srgbClr>
+            </a:outerShdw>
+          </a:effectLst>
+        </a:effectStyle>
+        <a:effectStyle>
+          <a:effectLst>
+            <a:outerShdw blurRad="40000" dist="23000" dir="5400000" rotWithShape="0">
+              <a:srgbClr val="000000">
+                <a:alpha val="35000"/>
+              </a:srgbClr>
+            </a:outerShdw>
+          </a:effectLst>
+        </a:effectStyle>
+        <a:effectStyle>
+          <a:effectLst>
+            <a:outerShdw blurRad="40000" dist="23000" dir="5400000" rotWithShape="0">
+              <a:srgbClr val="000000">
+                <a:alpha val="35000"/>
+              </a:srgbClr>
+            </a:outerShdw>
+          </a:effectLst>
+          <a:scene3d>
+            <a:camera prst="orthographicFront">
+              <a:rot lat="0" lon="0" rev="0"/>
+            </a:camera>
+            <a:lightRig rig="threePt" dir="t">
+              <a:rot lat="0" lon="0" rev="1200000"/>
+            </a:lightRig>
+          </a:scene3d>
+          <a:sp3d>
+            <a:bevelT w="63500" h="25400"/>
+          </a:sp3d>
+        </a:effectStyle>
+      </a:effectStyleLst>
+      <a:bgFillStyleLst>
+        <a:solidFill>
+          <a:schemeClr val="phClr"/>
+        </a:solidFill>
+        <a:gradFill rotWithShape="1">
+          <a:gsLst>
+            <a:gs pos="0">
+              <a:schemeClr val="phClr">
+                <a:tint val="40000"/>
+                <a:satMod val="350000"/>
+              </a:schemeClr>
+            </a:gs>
+            <a:gs pos="40000">
+              <a:schemeClr val="phClr">
+                <a:tint val="45000"/>
+                <a:shade val="99000"/>
+                <a:satMod val="350000"/>
+              </a:schemeClr>
+            </a:gs>
+            <a:gs pos="100000">
+              <a:schemeClr val="phClr">
+                <a:shade val="20000"/>
+                <a:satMod val="255000"/>
+              </a:schemeClr>
+            </a:gs>
+          </a:gsLst>
+          <a:path path="circle">
+            <a:fillToRect l="50000" t="-80000" r="50000" b="180000"/>
+          </a:path>
+        </a:gradFill>
+        <a:gradFill rotWithShape="1">
+          <a:gsLst>
+            <a:gs pos="0">
+              <a:schemeClr val="phClr">
+                <a:tint val="80000"/>
+                <a:satMod val="300000"/>
+              </a:schemeClr>
+            </a:gs>
+            <a:gs pos="100000">
+              <a:schemeClr val="phClr">
+                <a:shade val="30000"/>
+                <a:satMod val="200000"/>
+              </a:schemeClr>
+            </a:gs>
+          </a:gsLst>
+          <a:path path="circle">
+            <a:fillToRect l="50000" t="50000" r="50000" b="50000"/>
+          </a:path>
+        </a:gradFill>
+      </a:bgFillStyleLst>
+    </a:fmtScheme>
+  </a:themeElements>
+</a:theme>
+</file>
+
+<file path=ppt/theme/theme3.xml><?xml version="1.0" encoding="utf-8"?>
 <a:theme xmlns:a="http://schemas.openxmlformats.org/drawingml/2006/main" xmlns:r="http://schemas.openxmlformats.org/officeDocument/2006/relationships" name="Custom Theme">
   <a:themeElements>
     <a:clrScheme name="Default">
@@ -9656,283 +9001,4 @@
     </a:fmtScheme>
   </a:themeElements>
 </a:theme>
-</file>
-
-<file path=ppt/theme/theme3.xml><?xml version="1.0" encoding="utf-8"?>
-<a:theme xmlns:a="http://schemas.openxmlformats.org/drawingml/2006/main" xmlns:r="http://schemas.openxmlformats.org/officeDocument/2006/relationships" name="modern">
-  <a:themeElements>
-    <a:clrScheme name="Custom 348">
-      <a:dk1>
-        <a:srgbClr val="000000"/>
-      </a:dk1>
-      <a:lt1>
-        <a:srgbClr val="FFFFFF"/>
-      </a:lt1>
-      <a:dk2>
-        <a:srgbClr val="191919"/>
-      </a:dk2>
-      <a:lt2>
-        <a:srgbClr val="CCCCCC"/>
-      </a:lt2>
-      <a:accent1>
-        <a:srgbClr val="7E5554"/>
-      </a:accent1>
-      <a:accent2>
-        <a:srgbClr val="910A10"/>
-      </a:accent2>
-      <a:accent3>
-        <a:srgbClr val="84294D"/>
-      </a:accent3>
-      <a:accent4>
-        <a:srgbClr val="DA823B"/>
-      </a:accent4>
-      <a:accent5>
-        <a:srgbClr val="625D3C"/>
-      </a:accent5>
-      <a:accent6>
-        <a:srgbClr val="00384A"/>
-      </a:accent6>
-      <a:hlink>
-        <a:srgbClr val="227A78"/>
-      </a:hlink>
-      <a:folHlink>
-        <a:srgbClr val="394749"/>
-      </a:folHlink>
-    </a:clrScheme>
-    <a:fontScheme name="Office">
-      <a:majorFont>
-        <a:latin typeface="Arial"/>
-        <a:ea typeface=""/>
-        <a:cs typeface=""/>
-        <a:font script="Jpan" typeface="ＭＳ Ｐゴシック"/>
-        <a:font script="Hang" typeface="맑은 고딕"/>
-        <a:font script="Hans" typeface="宋体"/>
-        <a:font script="Hant" typeface="新細明體"/>
-        <a:font script="Arab" typeface="Times New Roman"/>
-        <a:font script="Hebr" typeface="Times New Roman"/>
-        <a:font script="Thai" typeface="Angsana New"/>
-        <a:font script="Ethi" typeface="Nyala"/>
-        <a:font script="Beng" typeface="Vrinda"/>
-        <a:font script="Gujr" typeface="Shruti"/>
-        <a:font script="Khmr" typeface="MoolBoran"/>
-        <a:font script="Knda" typeface="Tunga"/>
-        <a:font script="Guru" typeface="Raavi"/>
-        <a:font script="Cans" typeface="Euphemia"/>
-        <a:font script="Cher" typeface="Plantagenet Cherokee"/>
-        <a:font script="Yiii" typeface="Microsoft Yi Baiti"/>
-        <a:font script="Tibt" typeface="Microsoft Himalaya"/>
-        <a:font script="Thaa" typeface="MV Boli"/>
-        <a:font script="Deva" typeface="Mangal"/>
-        <a:font script="Telu" typeface="Gautami"/>
-        <a:font script="Taml" typeface="Latha"/>
-        <a:font script="Syrc" typeface="Estrangelo Edessa"/>
-        <a:font script="Orya" typeface="Kalinga"/>
-        <a:font script="Mlym" typeface="Kartika"/>
-        <a:font script="Laoo" typeface="DokChampa"/>
-        <a:font script="Sinh" typeface="Iskoola Pota"/>
-        <a:font script="Mong" typeface="Mongolian Baiti"/>
-        <a:font script="Viet" typeface="Times New Roman"/>
-        <a:font script="Uigh" typeface="Microsoft Uighur"/>
-        <a:font script="Geor" typeface="Sylfaen"/>
-      </a:majorFont>
-      <a:minorFont>
-        <a:latin typeface="Arial"/>
-        <a:ea typeface=""/>
-        <a:cs typeface=""/>
-        <a:font script="Jpan" typeface="ＭＳ Ｐゴシック"/>
-        <a:font script="Hang" typeface="맑은 고딕"/>
-        <a:font script="Hans" typeface="宋体"/>
-        <a:font script="Hant" typeface="新細明體"/>
-        <a:font script="Arab" typeface="Arial"/>
-        <a:font script="Hebr" typeface="Arial"/>
-        <a:font script="Thai" typeface="Cordia New"/>
-        <a:font script="Ethi" typeface="Nyala"/>
-        <a:font script="Beng" typeface="Vrinda"/>
-        <a:font script="Gujr" typeface="Shruti"/>
-        <a:font script="Khmr" typeface="DaunPenh"/>
-        <a:font script="Knda" typeface="Tunga"/>
-        <a:font script="Guru" typeface="Raavi"/>
-        <a:font script="Cans" typeface="Euphemia"/>
-        <a:font script="Cher" typeface="Plantagenet Cherokee"/>
-        <a:font script="Yiii" typeface="Microsoft Yi Baiti"/>
-        <a:font script="Tibt" typeface="Microsoft Himalaya"/>
-        <a:font script="Thaa" typeface="MV Boli"/>
-        <a:font script="Deva" typeface="Mangal"/>
-        <a:font script="Telu" typeface="Gautami"/>
-        <a:font script="Taml" typeface="Latha"/>
-        <a:font script="Syrc" typeface="Estrangelo Edessa"/>
-        <a:font script="Orya" typeface="Kalinga"/>
-        <a:font script="Mlym" typeface="Kartika"/>
-        <a:font script="Laoo" typeface="DokChampa"/>
-        <a:font script="Sinh" typeface="Iskoola Pota"/>
-        <a:font script="Mong" typeface="Mongolian Baiti"/>
-        <a:font script="Viet" typeface="Arial"/>
-        <a:font script="Uigh" typeface="Microsoft Uighur"/>
-        <a:font script="Geor" typeface="Sylfaen"/>
-      </a:minorFont>
-    </a:fontScheme>
-    <a:fmtScheme name="Office">
-      <a:fillStyleLst>
-        <a:solidFill>
-          <a:schemeClr val="phClr"/>
-        </a:solidFill>
-        <a:gradFill rotWithShape="1">
-          <a:gsLst>
-            <a:gs pos="0">
-              <a:schemeClr val="phClr">
-                <a:tint val="50000"/>
-                <a:satMod val="300000"/>
-              </a:schemeClr>
-            </a:gs>
-            <a:gs pos="35000">
-              <a:schemeClr val="phClr">
-                <a:tint val="37000"/>
-                <a:satMod val="300000"/>
-              </a:schemeClr>
-            </a:gs>
-            <a:gs pos="100000">
-              <a:schemeClr val="phClr">
-                <a:tint val="15000"/>
-                <a:satMod val="350000"/>
-              </a:schemeClr>
-            </a:gs>
-          </a:gsLst>
-          <a:lin ang="16200000" scaled="1"/>
-        </a:gradFill>
-        <a:gradFill rotWithShape="1">
-          <a:gsLst>
-            <a:gs pos="0">
-              <a:schemeClr val="phClr">
-                <a:tint val="100000"/>
-                <a:shade val="100000"/>
-                <a:satMod val="130000"/>
-              </a:schemeClr>
-            </a:gs>
-            <a:gs pos="100000">
-              <a:schemeClr val="phClr">
-                <a:tint val="50000"/>
-                <a:shade val="100000"/>
-                <a:satMod val="350000"/>
-              </a:schemeClr>
-            </a:gs>
-          </a:gsLst>
-          <a:lin ang="16200000" scaled="0"/>
-        </a:gradFill>
-      </a:fillStyleLst>
-      <a:lnStyleLst>
-        <a:ln w="9525" cap="flat" cmpd="sng" algn="ctr">
-          <a:solidFill>
-            <a:schemeClr val="phClr">
-              <a:shade val="95000"/>
-              <a:satMod val="105000"/>
-            </a:schemeClr>
-          </a:solidFill>
-          <a:prstDash val="solid"/>
-        </a:ln>
-        <a:ln w="25400" cap="flat" cmpd="sng" algn="ctr">
-          <a:solidFill>
-            <a:schemeClr val="phClr"/>
-          </a:solidFill>
-          <a:prstDash val="solid"/>
-        </a:ln>
-        <a:ln w="38100" cap="flat" cmpd="sng" algn="ctr">
-          <a:solidFill>
-            <a:schemeClr val="phClr"/>
-          </a:solidFill>
-          <a:prstDash val="solid"/>
-        </a:ln>
-      </a:lnStyleLst>
-      <a:effectStyleLst>
-        <a:effectStyle>
-          <a:effectLst>
-            <a:outerShdw blurRad="40000" dist="20000" dir="5400000" rotWithShape="0">
-              <a:srgbClr val="000000">
-                <a:alpha val="38000"/>
-              </a:srgbClr>
-            </a:outerShdw>
-          </a:effectLst>
-        </a:effectStyle>
-        <a:effectStyle>
-          <a:effectLst>
-            <a:outerShdw blurRad="40000" dist="23000" dir="5400000" rotWithShape="0">
-              <a:srgbClr val="000000">
-                <a:alpha val="35000"/>
-              </a:srgbClr>
-            </a:outerShdw>
-          </a:effectLst>
-        </a:effectStyle>
-        <a:effectStyle>
-          <a:effectLst>
-            <a:outerShdw blurRad="40000" dist="23000" dir="5400000" rotWithShape="0">
-              <a:srgbClr val="000000">
-                <a:alpha val="35000"/>
-              </a:srgbClr>
-            </a:outerShdw>
-          </a:effectLst>
-          <a:scene3d>
-            <a:camera prst="orthographicFront">
-              <a:rot lat="0" lon="0" rev="0"/>
-            </a:camera>
-            <a:lightRig rig="threePt" dir="t">
-              <a:rot lat="0" lon="0" rev="1200000"/>
-            </a:lightRig>
-          </a:scene3d>
-          <a:sp3d>
-            <a:bevelT w="63500" h="25400"/>
-          </a:sp3d>
-        </a:effectStyle>
-      </a:effectStyleLst>
-      <a:bgFillStyleLst>
-        <a:solidFill>
-          <a:schemeClr val="phClr"/>
-        </a:solidFill>
-        <a:gradFill rotWithShape="1">
-          <a:gsLst>
-            <a:gs pos="0">
-              <a:schemeClr val="phClr">
-                <a:tint val="40000"/>
-                <a:satMod val="350000"/>
-              </a:schemeClr>
-            </a:gs>
-            <a:gs pos="40000">
-              <a:schemeClr val="phClr">
-                <a:tint val="45000"/>
-                <a:shade val="99000"/>
-                <a:satMod val="350000"/>
-              </a:schemeClr>
-            </a:gs>
-            <a:gs pos="100000">
-              <a:schemeClr val="phClr">
-                <a:shade val="20000"/>
-                <a:satMod val="255000"/>
-              </a:schemeClr>
-            </a:gs>
-          </a:gsLst>
-          <a:path path="circle">
-            <a:fillToRect l="50000" t="-80000" r="50000" b="180000"/>
-          </a:path>
-        </a:gradFill>
-        <a:gradFill rotWithShape="1">
-          <a:gsLst>
-            <a:gs pos="0">
-              <a:schemeClr val="phClr">
-                <a:tint val="80000"/>
-                <a:satMod val="300000"/>
-              </a:schemeClr>
-            </a:gs>
-            <a:gs pos="100000">
-              <a:schemeClr val="phClr">
-                <a:shade val="30000"/>
-                <a:satMod val="200000"/>
-              </a:schemeClr>
-            </a:gs>
-          </a:gsLst>
-          <a:path path="circle">
-            <a:fillToRect l="50000" t="50000" r="50000" b="50000"/>
-          </a:path>
-        </a:gradFill>
-      </a:bgFillStyleLst>
-    </a:fmtScheme>
-  </a:themeElements>
-</a:theme>
 </file>